--- a/eece3220/sp19/lectures/eece.3220sp19_lec13_exam1_preview.pptx
+++ b/eece3220/sp19/lectures/eece.3220sp19_lec13_exam1_preview.pptx
@@ -5,10 +5,10 @@
     <p:sldMasterId id="2147483792" r:id="rId1"/>
   </p:sldMasterIdLst>
   <p:notesMasterIdLst>
-    <p:notesMasterId r:id="rId19"/>
+    <p:notesMasterId r:id="rId20"/>
   </p:notesMasterIdLst>
   <p:handoutMasterIdLst>
-    <p:handoutMasterId r:id="rId20"/>
+    <p:handoutMasterId r:id="rId21"/>
   </p:handoutMasterIdLst>
   <p:sldIdLst>
     <p:sldId id="256" r:id="rId2"/>
@@ -23,11 +23,12 @@
     <p:sldId id="479" r:id="rId11"/>
     <p:sldId id="480" r:id="rId12"/>
     <p:sldId id="481" r:id="rId13"/>
-    <p:sldId id="485" r:id="rId14"/>
-    <p:sldId id="473" r:id="rId15"/>
-    <p:sldId id="466" r:id="rId16"/>
-    <p:sldId id="475" r:id="rId17"/>
-    <p:sldId id="385" r:id="rId18"/>
+    <p:sldId id="394" r:id="rId14"/>
+    <p:sldId id="485" r:id="rId15"/>
+    <p:sldId id="473" r:id="rId16"/>
+    <p:sldId id="466" r:id="rId17"/>
+    <p:sldId id="475" r:id="rId18"/>
+    <p:sldId id="385" r:id="rId19"/>
   </p:sldIdLst>
   <p:sldSz cx="9144000" cy="6858000" type="screen4x3"/>
   <p:notesSz cx="9144000" cy="6858000"/>
@@ -192,7 +193,7 @@
 <file path=ppt/revisionInfo.xml><?xml version="1.0" encoding="utf-8"?>
 <p1510:revInfo xmlns:a="http://schemas.openxmlformats.org/drawingml/2006/main" xmlns:r="http://schemas.openxmlformats.org/officeDocument/2006/relationships" xmlns:p1510="http://schemas.microsoft.com/office/powerpoint/2015/10/main">
   <p1510:revLst>
-    <p1510:client id="{48ACA5F7-49DC-401E-93B7-3BC8BB26CB11}" v="6" dt="2019-02-22T17:20:30.821"/>
+    <p1510:client id="{48ACA5F7-49DC-401E-93B7-3BC8BB26CB11}" v="8" dt="2019-02-23T15:53:12.037"/>
   </p1510:revLst>
 </p1510:revInfo>
 </file>
@@ -202,7 +203,7 @@
   <pc:docChgLst>
     <pc:chgData name="Geiger, Michael J" userId="13cae92b-b37c-450b-a449-82fcae19569d" providerId="ADAL" clId="{48ACA5F7-49DC-401E-93B7-3BC8BB26CB11}"/>
     <pc:docChg chg="undo custSel addSld delSld modSld">
-      <pc:chgData name="Geiger, Michael J" userId="13cae92b-b37c-450b-a449-82fcae19569d" providerId="ADAL" clId="{48ACA5F7-49DC-401E-93B7-3BC8BB26CB11}" dt="2019-02-22T17:20:49.362" v="399" actId="2711"/>
+      <pc:chgData name="Geiger, Michael J" userId="13cae92b-b37c-450b-a449-82fcae19569d" providerId="ADAL" clId="{48ACA5F7-49DC-401E-93B7-3BC8BB26CB11}" dt="2019-02-23T15:53:03.463" v="400"/>
       <pc:docMkLst>
         <pc:docMk/>
       </pc:docMkLst>
@@ -266,6 +267,13 @@
             <ac:spMk id="25603" creationId="{00000000-0000-0000-0000-000000000000}"/>
           </ac:spMkLst>
         </pc:spChg>
+      </pc:sldChg>
+      <pc:sldChg chg="add">
+        <pc:chgData name="Geiger, Michael J" userId="13cae92b-b37c-450b-a449-82fcae19569d" providerId="ADAL" clId="{48ACA5F7-49DC-401E-93B7-3BC8BB26CB11}" dt="2019-02-23T15:53:03.463" v="400"/>
+        <pc:sldMkLst>
+          <pc:docMk/>
+          <pc:sldMk cId="2033859097" sldId="394"/>
+        </pc:sldMkLst>
       </pc:sldChg>
       <pc:sldChg chg="add">
         <pc:chgData name="Geiger, Michael J" userId="13cae92b-b37c-450b-a449-82fcae19569d" providerId="ADAL" clId="{48ACA5F7-49DC-401E-93B7-3BC8BB26CB11}" dt="2019-02-22T17:18:38.736" v="373"/>
@@ -712,7 +720,7 @@
               </a14:hiddenFill>
             </a:ext>
             <a:ext uri="{FAA26D3D-D897-4be2-8F04-BA451C77F1D7}">
-              <ma14:placeholderFlag xmlns="" xmlns:ma14="http://schemas.microsoft.com/office/mac/drawingml/2011/main" val="1"/>
+              <ma14:placeholderFlag xmlns:ma14="http://schemas.microsoft.com/office/mac/drawingml/2011/main" xmlns="" val="1"/>
             </a:ext>
           </a:extLst>
         </p:spPr>
@@ -1244,7 +1252,7 @@
               </a14:hiddenLine>
             </a:ext>
             <a:ext uri="{FAA26D3D-D897-4be2-8F04-BA451C77F1D7}">
-              <ma14:placeholderFlag xmlns="" xmlns:ma14="http://schemas.microsoft.com/office/mac/drawingml/2011/main" val="1"/>
+              <ma14:placeholderFlag xmlns:ma14="http://schemas.microsoft.com/office/mac/drawingml/2011/main" xmlns="" val="1"/>
             </a:ext>
           </a:extLst>
         </p:spPr>
@@ -1490,7 +1498,7 @@
               </a14:hiddenLine>
             </a:ext>
             <a:ext uri="{FAA26D3D-D897-4be2-8F04-BA451C77F1D7}">
-              <ma14:placeholderFlag xmlns="" xmlns:ma14="http://schemas.microsoft.com/office/mac/drawingml/2011/main" val="1"/>
+              <ma14:placeholderFlag xmlns:ma14="http://schemas.microsoft.com/office/mac/drawingml/2011/main" xmlns="" val="1"/>
             </a:ext>
           </a:extLst>
         </p:spPr>
@@ -1733,9 +1741,9 @@
             </a:lvl1pPr>
           </a:lstStyle>
           <a:p>
-            <a:fld id="{98E8970F-E9BE-4C87-86F7-B4273F541463}" type="datetime1">
+            <a:fld id="{F3B77EC2-D58A-492D-9958-984FB33515B1}" type="datetime1">
               <a:rPr lang="en-US" smtClean="0"/>
-              <a:t>2/22/2019</a:t>
+              <a:t>2/23/2019</a:t>
             </a:fld>
             <a:endParaRPr lang="en-US"/>
           </a:p>
@@ -1927,9 +1935,9 @@
             </a:lvl1pPr>
           </a:lstStyle>
           <a:p>
-            <a:fld id="{C537B889-4240-4E00-9A92-4DB781C156E2}" type="datetime1">
+            <a:fld id="{98791B03-F4A6-4B62-B046-937C67CCD562}" type="datetime1">
               <a:rPr lang="en-US" smtClean="0"/>
-              <a:t>2/22/2019</a:t>
+              <a:t>2/23/2019</a:t>
             </a:fld>
             <a:endParaRPr lang="en-US"/>
           </a:p>
@@ -2130,9 +2138,9 @@
             </a:lvl1pPr>
           </a:lstStyle>
           <a:p>
-            <a:fld id="{7020443A-CBD3-4397-B5E6-4D8081F68A7C}" type="datetime1">
+            <a:fld id="{A0773364-5821-47FE-8C11-30211D46E33C}" type="datetime1">
               <a:rPr lang="en-US" smtClean="0"/>
-              <a:t>2/22/2019</a:t>
+              <a:t>2/23/2019</a:t>
             </a:fld>
             <a:endParaRPr lang="en-US"/>
           </a:p>
@@ -2389,9 +2397,9 @@
             </a:lvl1pPr>
           </a:lstStyle>
           <a:p>
-            <a:fld id="{CDE02D92-128E-4FD0-95AF-8B365523DA97}" type="datetime1">
+            <a:fld id="{E55AD7AB-183F-4337-B094-49A2053CDAE1}" type="datetime1">
               <a:rPr lang="en-US" smtClean="0"/>
-              <a:t>2/22/2019</a:t>
+              <a:t>2/23/2019</a:t>
             </a:fld>
             <a:endParaRPr lang="en-US"/>
           </a:p>
@@ -2648,9 +2656,9 @@
             </a:lvl1pPr>
           </a:lstStyle>
           <a:p>
-            <a:fld id="{2E9F608C-CF76-4986-B9A4-2A5FEB11C9F6}" type="datetime1">
+            <a:fld id="{977041F3-04BD-4F82-AEA3-8E399BCB9C23}" type="datetime1">
               <a:rPr lang="en-US" smtClean="0"/>
-              <a:t>2/22/2019</a:t>
+              <a:t>2/23/2019</a:t>
             </a:fld>
             <a:endParaRPr lang="en-US"/>
           </a:p>
@@ -2841,9 +2849,9 @@
             </a:lvl1pPr>
           </a:lstStyle>
           <a:p>
-            <a:fld id="{1FBCE2A3-D874-438E-AFA3-CF67B74BA81B}" type="datetime1">
+            <a:fld id="{2EA2BE40-F757-48FB-ACA3-34ADEC81A75A}" type="datetime1">
               <a:rPr lang="en-US" smtClean="0"/>
-              <a:t>2/22/2019</a:t>
+              <a:t>2/23/2019</a:t>
             </a:fld>
             <a:endParaRPr lang="en-US"/>
           </a:p>
@@ -3057,9 +3065,9 @@
             </a:lvl1pPr>
           </a:lstStyle>
           <a:p>
-            <a:fld id="{09D2ECA5-65CD-4179-9F9F-1AAAAB0943F9}" type="datetime1">
+            <a:fld id="{78685DE9-8D2B-46BA-896D-93BB8F622FB2}" type="datetime1">
               <a:rPr lang="en-US" smtClean="0"/>
-              <a:t>2/22/2019</a:t>
+              <a:t>2/23/2019</a:t>
             </a:fld>
             <a:endParaRPr lang="en-US"/>
           </a:p>
@@ -3367,9 +3375,9 @@
             </a:lvl1pPr>
           </a:lstStyle>
           <a:p>
-            <a:fld id="{E763D84E-6E0F-446F-8AAC-12B170A39691}" type="datetime1">
+            <a:fld id="{F0AF4C26-7CA0-4C4B-BE91-D32A1704B7B2}" type="datetime1">
               <a:rPr lang="en-US" smtClean="0"/>
-              <a:t>2/22/2019</a:t>
+              <a:t>2/23/2019</a:t>
             </a:fld>
             <a:endParaRPr lang="en-US"/>
           </a:p>
@@ -3816,9 +3824,9 @@
             </a:lvl1pPr>
           </a:lstStyle>
           <a:p>
-            <a:fld id="{4BFE86C9-DE27-4FF3-B745-7E155C80EA53}" type="datetime1">
+            <a:fld id="{9C18962F-6872-4771-A899-BDEC7EA9D514}" type="datetime1">
               <a:rPr lang="en-US" smtClean="0"/>
-              <a:t>2/22/2019</a:t>
+              <a:t>2/23/2019</a:t>
             </a:fld>
             <a:endParaRPr lang="en-US"/>
           </a:p>
@@ -3958,9 +3966,9 @@
             </a:lvl1pPr>
           </a:lstStyle>
           <a:p>
-            <a:fld id="{5FA38585-CD20-4DBB-8B62-563278028E88}" type="datetime1">
+            <a:fld id="{B57C7D36-ADDB-4494-83C7-E9657D931806}" type="datetime1">
               <a:rPr lang="en-US" smtClean="0"/>
-              <a:t>2/22/2019</a:t>
+              <a:t>2/23/2019</a:t>
             </a:fld>
             <a:endParaRPr lang="en-US"/>
           </a:p>
@@ -4078,9 +4086,9 @@
             </a:lvl1pPr>
           </a:lstStyle>
           <a:p>
-            <a:fld id="{E90E1A67-44AC-47D4-8425-60544C0CE7DF}" type="datetime1">
+            <a:fld id="{DCF9C8B3-0E4F-4ED3-93EB-91DA3C700F1F}" type="datetime1">
               <a:rPr lang="en-US" smtClean="0"/>
-              <a:t>2/22/2019</a:t>
+              <a:t>2/23/2019</a:t>
             </a:fld>
             <a:endParaRPr lang="en-US"/>
           </a:p>
@@ -4378,9 +4386,9 @@
             </a:lvl1pPr>
           </a:lstStyle>
           <a:p>
-            <a:fld id="{F8F1D602-9A5E-45A4-8A8F-44D01D97909E}" type="datetime1">
+            <a:fld id="{BE40C69F-7C42-4270-A72D-D41B98948BBE}" type="datetime1">
               <a:rPr lang="en-US" smtClean="0"/>
-              <a:t>2/22/2019</a:t>
+              <a:t>2/23/2019</a:t>
             </a:fld>
             <a:endParaRPr lang="en-US"/>
           </a:p>
@@ -4656,9 +4664,9 @@
             </a:lvl1pPr>
           </a:lstStyle>
           <a:p>
-            <a:fld id="{488E2392-94C5-47CD-A94C-E32488B5948E}" type="datetime1">
+            <a:fld id="{14DA909F-E348-4A85-B5F5-1ED3B4B3BEE1}" type="datetime1">
               <a:rPr lang="en-US" smtClean="0"/>
-              <a:t>2/22/2019</a:t>
+              <a:t>2/23/2019</a:t>
             </a:fld>
             <a:endParaRPr lang="en-US"/>
           </a:p>
@@ -4804,7 +4812,7 @@
               </a14:hiddenLine>
             </a:ext>
             <a:ext uri="{FAA26D3D-D897-4be2-8F04-BA451C77F1D7}">
-              <ma14:placeholderFlag xmlns="" xmlns:ma14="http://schemas.microsoft.com/office/mac/drawingml/2011/main" val="1"/>
+              <ma14:placeholderFlag xmlns:ma14="http://schemas.microsoft.com/office/mac/drawingml/2011/main" xmlns="" val="1"/>
             </a:ext>
           </a:extLst>
         </p:spPr>
@@ -4865,7 +4873,7 @@
               </a14:hiddenLine>
             </a:ext>
             <a:ext uri="{FAA26D3D-D897-4be2-8F04-BA451C77F1D7}">
-              <ma14:placeholderFlag xmlns="" xmlns:ma14="http://schemas.microsoft.com/office/mac/drawingml/2011/main" val="1"/>
+              <ma14:placeholderFlag xmlns:ma14="http://schemas.microsoft.com/office/mac/drawingml/2011/main" xmlns="" val="1"/>
             </a:ext>
           </a:extLst>
         </p:spPr>
@@ -4954,9 +4962,9 @@
             </a:lvl1pPr>
           </a:lstStyle>
           <a:p>
-            <a:fld id="{13D0BD0E-BB66-4C46-9674-86B043D7AF40}" type="datetime1">
+            <a:fld id="{88D6C8A3-647C-4E84-B69B-AF9820E5B243}" type="datetime1">
               <a:rPr lang="en-US" smtClean="0"/>
-              <a:t>2/22/2019</a:t>
+              <a:t>2/23/2019</a:t>
             </a:fld>
             <a:endParaRPr lang="en-US"/>
           </a:p>
@@ -6364,11 +6372,11 @@
           </a:lstStyle>
           <a:p>
             <a:pPr eaLnBrk="1" hangingPunct="1"/>
-            <a:fld id="{8593DF62-619C-42CA-9C01-B30BA690B5D5}" type="datetime1">
+            <a:fld id="{D4F8B004-C88F-40A4-B57A-BDFBC6FF60BF}" type="datetime1">
               <a:rPr lang="en-US" sz="1200" smtClean="0">
                 <a:latin typeface="Garamond" charset="0"/>
               </a:rPr>
-              <a:t>2/22/2019</a:t>
+              <a:t>2/23/2019</a:t>
             </a:fld>
             <a:endParaRPr lang="en-US" sz="1200">
               <a:latin typeface="Garamond" charset="0"/>
@@ -6865,11 +6873,11 @@
             </a:lvl9pPr>
           </a:lstStyle>
           <a:p>
-            <a:fld id="{75379684-0735-48A8-B703-67C5A5A5CF53}" type="datetime1">
+            <a:fld id="{7F8AD6C8-0EBD-4949-BBE5-A49280418112}" type="datetime1">
               <a:rPr lang="en-US" sz="1200" smtClean="0">
                 <a:latin typeface="Garamond"/>
               </a:rPr>
-              <a:t>2/22/2019</a:t>
+              <a:t>2/23/2019</a:t>
             </a:fld>
             <a:endParaRPr lang="en-US" sz="1200" dirty="0">
               <a:latin typeface="Garamond"/>
@@ -7441,9 +7449,9 @@
           <a:bodyPr/>
           <a:lstStyle/>
           <a:p>
-            <a:fld id="{82E37007-E06F-4356-9AEC-B87ECC14B10B}" type="datetime1">
+            <a:fld id="{145DBB86-6429-4A09-9981-80A4263FE9C0}" type="datetime1">
               <a:rPr lang="en-US" smtClean="0"/>
-              <a:t>2/22/2019</a:t>
+              <a:t>2/23/2019</a:t>
             </a:fld>
             <a:endParaRPr lang="en-US" dirty="0"/>
           </a:p>
@@ -7530,9 +7538,9 @@
       </p:grpSpPr>
       <p:sp>
         <p:nvSpPr>
-          <p:cNvPr id="71682" name="Rectangle 2"/>
-          <p:cNvSpPr>
-            <a:spLocks noGrp="1" noChangeArrowheads="1"/>
+          <p:cNvPr id="8194" name="Title 1"/>
+          <p:cNvSpPr>
+            <a:spLocks noGrp="1"/>
           </p:cNvSpPr>
           <p:nvPr>
             <p:ph type="title"/>
@@ -7544,84 +7552,568 @@
           <a:lstStyle/>
           <a:p>
             <a:r>
-              <a:rPr lang="en-US" dirty="0"/>
-              <a:t>Review: Algorithmic complexity</a:t>
-            </a:r>
-          </a:p>
-        </p:txBody>
-      </p:sp>
-      <p:sp>
-        <p:nvSpPr>
-          <p:cNvPr id="71683" name="Rectangle 3"/>
-          <p:cNvSpPr>
-            <a:spLocks noGrp="1" noChangeArrowheads="1"/>
+              <a:rPr lang="en-US">
+                <a:latin typeface="Garamond" charset="0"/>
+              </a:rPr>
+              <a:t>Review: Strings</a:t>
+            </a:r>
+          </a:p>
+        </p:txBody>
+      </p:sp>
+      <p:sp>
+        <p:nvSpPr>
+          <p:cNvPr id="10243" name="Content Placeholder 2"/>
+          <p:cNvSpPr>
+            <a:spLocks noGrp="1"/>
           </p:cNvSpPr>
           <p:nvPr>
             <p:ph idx="1"/>
           </p:nvPr>
         </p:nvSpPr>
-        <p:spPr/>
+        <p:spPr>
+          <a:xfrm>
+            <a:off x="381000" y="1143000"/>
+            <a:ext cx="8229600" cy="4987925"/>
+          </a:xfrm>
+        </p:spPr>
         <p:txBody>
           <a:bodyPr>
-            <a:normAutofit lnSpcReduction="10000"/>
+            <a:normAutofit fontScale="92500" lnSpcReduction="10000"/>
           </a:bodyPr>
           <a:lstStyle/>
           <a:p>
-            <a:r>
-              <a:rPr lang="en-US" dirty="0"/>
-              <a:t>Typically try to approximate worst-case computing time</a:t>
-            </a:r>
-          </a:p>
-          <a:p>
-            <a:r>
-              <a:rPr lang="en-US" dirty="0"/>
-              <a:t>Measure time as T(n), function of n</a:t>
-            </a:r>
-          </a:p>
-          <a:p>
-            <a:pPr lvl="1"/>
-            <a:r>
-              <a:rPr lang="en-US" dirty="0"/>
-              <a:t>Count number of times each step in algorithm executes</a:t>
-            </a:r>
-          </a:p>
-          <a:p>
-            <a:r>
-              <a:rPr lang="en-US" dirty="0"/>
-              <a:t>Use big O notation—O(f(n))—to express order of magnitude</a:t>
-            </a:r>
-          </a:p>
-          <a:p>
-            <a:pPr lvl="1"/>
-            <a:r>
-              <a:rPr lang="en-US" dirty="0"/>
-              <a:t>Choose slowest growing function that provides upper bound on execution time</a:t>
-            </a:r>
-          </a:p>
-          <a:p>
-            <a:pPr lvl="1"/>
-            <a:r>
-              <a:rPr lang="en-US" dirty="0"/>
-              <a:t>Look at largest exponent in T(n) term</a:t>
-            </a:r>
-          </a:p>
-          <a:p>
-            <a:pPr lvl="1"/>
-            <a:r>
-              <a:rPr lang="en-US" dirty="0"/>
-              <a:t>Ignore constants, multipliers</a:t>
-            </a:r>
-          </a:p>
-        </p:txBody>
-      </p:sp>
-      <p:sp>
-        <p:nvSpPr>
-          <p:cNvPr id="2" name="Date Placeholder 1"/>
+            <a:pPr>
+              <a:lnSpc>
+                <a:spcPct val="90000"/>
+              </a:lnSpc>
+            </a:pPr>
+            <a:r>
+              <a:rPr lang="en-US" dirty="0">
+                <a:latin typeface="Arial" charset="0"/>
+              </a:rPr>
+              <a:t>String data type found in &lt;string&gt; library</a:t>
+            </a:r>
+          </a:p>
+          <a:p>
+            <a:pPr>
+              <a:lnSpc>
+                <a:spcPct val="90000"/>
+              </a:lnSpc>
+            </a:pPr>
+            <a:r>
+              <a:rPr lang="en-US" dirty="0">
+                <a:latin typeface="Arial" charset="0"/>
+              </a:rPr>
+              <a:t>Concepts to work with strings</a:t>
+            </a:r>
+          </a:p>
+          <a:p>
+            <a:pPr lvl="1">
+              <a:lnSpc>
+                <a:spcPct val="90000"/>
+              </a:lnSpc>
+            </a:pPr>
+            <a:r>
+              <a:rPr lang="en-US" dirty="0">
+                <a:latin typeface="Arial" charset="0"/>
+              </a:rPr>
+              <a:t>Relational operators: </a:t>
+            </a:r>
+            <a:r>
+              <a:rPr lang="en-US" dirty="0">
+                <a:latin typeface="Courier New" charset="0"/>
+                <a:cs typeface="Courier New" charset="0"/>
+              </a:rPr>
+              <a:t>==, !=, &lt;, &gt;, &lt;=, &gt;=</a:t>
+            </a:r>
+          </a:p>
+          <a:p>
+            <a:pPr lvl="2">
+              <a:lnSpc>
+                <a:spcPct val="90000"/>
+              </a:lnSpc>
+            </a:pPr>
+            <a:r>
+              <a:rPr lang="en-US" dirty="0">
+                <a:latin typeface="Arial" charset="0"/>
+              </a:rPr>
+              <a:t>Character-by-character comparison using ASCII</a:t>
+            </a:r>
+          </a:p>
+          <a:p>
+            <a:pPr lvl="1">
+              <a:lnSpc>
+                <a:spcPct val="90000"/>
+              </a:lnSpc>
+            </a:pPr>
+            <a:r>
+              <a:rPr lang="en-US" dirty="0">
+                <a:latin typeface="Arial" charset="0"/>
+              </a:rPr>
+              <a:t>Concatenation: </a:t>
+            </a:r>
+            <a:r>
+              <a:rPr lang="en-US" dirty="0">
+                <a:latin typeface="Courier New" charset="0"/>
+                <a:cs typeface="Courier New" charset="0"/>
+              </a:rPr>
+              <a:t>+, +=</a:t>
+            </a:r>
+          </a:p>
+          <a:p>
+            <a:pPr lvl="1">
+              <a:lnSpc>
+                <a:spcPct val="90000"/>
+              </a:lnSpc>
+            </a:pPr>
+            <a:r>
+              <a:rPr lang="en-US" dirty="0">
+                <a:latin typeface="Arial" charset="0"/>
+              </a:rPr>
+              <a:t>Choosing single character: </a:t>
+            </a:r>
+            <a:r>
+              <a:rPr lang="en-US" dirty="0">
+                <a:latin typeface="Courier New" charset="0"/>
+                <a:cs typeface="Courier New" charset="0"/>
+              </a:rPr>
+              <a:t>[]</a:t>
+            </a:r>
+            <a:r>
+              <a:rPr lang="en-US" dirty="0">
+                <a:latin typeface="Arial" charset="0"/>
+              </a:rPr>
+              <a:t>, </a:t>
+            </a:r>
+            <a:r>
+              <a:rPr lang="en-US" dirty="0">
+                <a:latin typeface="Courier New" charset="0"/>
+                <a:cs typeface="Courier New" charset="0"/>
+              </a:rPr>
+              <a:t>at()</a:t>
+            </a:r>
+          </a:p>
+          <a:p>
+            <a:pPr lvl="2">
+              <a:lnSpc>
+                <a:spcPct val="90000"/>
+              </a:lnSpc>
+            </a:pPr>
+            <a:r>
+              <a:rPr lang="en-US" dirty="0">
+                <a:latin typeface="Courier New" charset="0"/>
+                <a:cs typeface="Courier New" charset="0"/>
+              </a:rPr>
+              <a:t>at()</a:t>
+            </a:r>
+            <a:r>
+              <a:rPr lang="en-US" dirty="0">
+                <a:latin typeface="Arial" charset="0"/>
+                <a:cs typeface="Courier New" charset="0"/>
+              </a:rPr>
+              <a:t> </a:t>
+            </a:r>
+            <a:r>
+              <a:rPr lang="en-US" dirty="0">
+                <a:latin typeface="Arial" charset="0"/>
+              </a:rPr>
+              <a:t>provides boundary checking</a:t>
+            </a:r>
+          </a:p>
+          <a:p>
+            <a:pPr lvl="1">
+              <a:lnSpc>
+                <a:spcPct val="90000"/>
+              </a:lnSpc>
+            </a:pPr>
+            <a:r>
+              <a:rPr lang="en-US" dirty="0">
+                <a:latin typeface="Arial" charset="0"/>
+              </a:rPr>
+              <a:t>Substrings: </a:t>
+            </a:r>
+            <a:r>
+              <a:rPr lang="en-US" dirty="0" err="1">
+                <a:latin typeface="Courier New" charset="0"/>
+                <a:cs typeface="Courier New" charset="0"/>
+              </a:rPr>
+              <a:t>substr</a:t>
+            </a:r>
+            <a:r>
+              <a:rPr lang="en-US" dirty="0">
+                <a:latin typeface="Courier New" charset="0"/>
+                <a:cs typeface="Courier New" charset="0"/>
+              </a:rPr>
+              <a:t>()</a:t>
+            </a:r>
+            <a:r>
+              <a:rPr lang="en-US" dirty="0">
+                <a:latin typeface="Arial" charset="0"/>
+              </a:rPr>
+              <a:t> function</a:t>
+            </a:r>
+          </a:p>
+          <a:p>
+            <a:pPr lvl="2">
+              <a:lnSpc>
+                <a:spcPct val="90000"/>
+              </a:lnSpc>
+            </a:pPr>
+            <a:r>
+              <a:rPr lang="en-US" dirty="0">
+                <a:latin typeface="Arial" charset="0"/>
+              </a:rPr>
+              <a:t>If </a:t>
+            </a:r>
+            <a:r>
+              <a:rPr lang="en-US" dirty="0">
+                <a:latin typeface="Courier New" charset="0"/>
+                <a:cs typeface="Courier New" charset="0"/>
+              </a:rPr>
+              <a:t>s1 = </a:t>
+            </a:r>
+            <a:r>
+              <a:rPr lang="ja-JP" altLang="en-US" dirty="0">
+                <a:latin typeface="Courier New" charset="0"/>
+                <a:cs typeface="Courier New" charset="0"/>
+              </a:rPr>
+              <a:t>“</a:t>
+            </a:r>
+            <a:r>
+              <a:rPr lang="en-US" dirty="0">
+                <a:latin typeface="Courier New" charset="0"/>
+                <a:cs typeface="Courier New" charset="0"/>
+              </a:rPr>
+              <a:t>ECE 264</a:t>
+            </a:r>
+            <a:r>
+              <a:rPr lang="ja-JP" altLang="en-US" dirty="0">
+                <a:latin typeface="Courier New" charset="0"/>
+                <a:cs typeface="Courier New" charset="0"/>
+              </a:rPr>
+              <a:t>”</a:t>
+            </a:r>
+            <a:endParaRPr lang="en-US" dirty="0">
+              <a:latin typeface="Courier New" charset="0"/>
+              <a:cs typeface="Courier New" charset="0"/>
+            </a:endParaRPr>
+          </a:p>
+          <a:p>
+            <a:pPr lvl="2">
+              <a:lnSpc>
+                <a:spcPct val="90000"/>
+              </a:lnSpc>
+              <a:buFont typeface="Wingdings" charset="0"/>
+              <a:buNone/>
+            </a:pPr>
+            <a:r>
+              <a:rPr lang="en-US" dirty="0">
+                <a:latin typeface="Courier New" charset="0"/>
+                <a:cs typeface="Courier New" charset="0"/>
+                <a:sym typeface="Wingdings" charset="0"/>
+              </a:rPr>
+              <a:t> </a:t>
+            </a:r>
+            <a:r>
+              <a:rPr lang="en-US" dirty="0">
+                <a:latin typeface="Courier New" charset="0"/>
+                <a:cs typeface="Courier New" charset="0"/>
+              </a:rPr>
+              <a:t>s1.substr(0,3) = </a:t>
+            </a:r>
+            <a:r>
+              <a:rPr lang="ja-JP" altLang="en-US" dirty="0">
+                <a:latin typeface="Courier New" charset="0"/>
+                <a:cs typeface="Courier New" charset="0"/>
+              </a:rPr>
+              <a:t>“</a:t>
+            </a:r>
+            <a:r>
+              <a:rPr lang="en-US" dirty="0">
+                <a:latin typeface="Courier New" charset="0"/>
+                <a:cs typeface="Courier New" charset="0"/>
+              </a:rPr>
+              <a:t>ECE</a:t>
+            </a:r>
+            <a:r>
+              <a:rPr lang="ja-JP" altLang="en-US" dirty="0">
+                <a:latin typeface="Courier New" charset="0"/>
+                <a:cs typeface="Courier New" charset="0"/>
+              </a:rPr>
+              <a:t>”</a:t>
+            </a:r>
+            <a:r>
+              <a:rPr lang="en-US" dirty="0">
+                <a:latin typeface="Arial" charset="0"/>
+              </a:rPr>
+              <a:t> </a:t>
+            </a:r>
+            <a:r>
+              <a:rPr lang="en-US" dirty="0">
+                <a:latin typeface="Arial" charset="0"/>
+                <a:sym typeface="Wingdings" charset="0"/>
+              </a:rPr>
+              <a:t> 3 chars starting at position 0</a:t>
+            </a:r>
+          </a:p>
+          <a:p>
+            <a:pPr lvl="2">
+              <a:lnSpc>
+                <a:spcPct val="90000"/>
+              </a:lnSpc>
+              <a:buFont typeface="Wingdings" charset="0"/>
+              <a:buChar char="à"/>
+            </a:pPr>
+            <a:r>
+              <a:rPr lang="en-US" dirty="0">
+                <a:latin typeface="Courier New" charset="0"/>
+                <a:cs typeface="Courier New" charset="0"/>
+                <a:sym typeface="Wingdings" charset="0"/>
+              </a:rPr>
+              <a:t>s1.substr(4) = </a:t>
+            </a:r>
+            <a:r>
+              <a:rPr lang="ja-JP" altLang="en-US" dirty="0">
+                <a:latin typeface="Courier New" charset="0"/>
+                <a:cs typeface="Courier New" charset="0"/>
+                <a:sym typeface="Wingdings" charset="0"/>
+              </a:rPr>
+              <a:t>“</a:t>
+            </a:r>
+            <a:r>
+              <a:rPr lang="en-US" dirty="0">
+                <a:latin typeface="Courier New" charset="0"/>
+                <a:cs typeface="Courier New" charset="0"/>
+                <a:sym typeface="Wingdings" charset="0"/>
+              </a:rPr>
+              <a:t>264</a:t>
+            </a:r>
+            <a:r>
+              <a:rPr lang="ja-JP" altLang="en-US" dirty="0">
+                <a:latin typeface="Courier New" charset="0"/>
+                <a:cs typeface="Courier New" charset="0"/>
+                <a:sym typeface="Wingdings" charset="0"/>
+              </a:rPr>
+              <a:t>”</a:t>
+            </a:r>
+            <a:r>
+              <a:rPr lang="en-US" dirty="0">
+                <a:latin typeface="Arial" charset="0"/>
+                <a:sym typeface="Wingdings" charset="0"/>
+              </a:rPr>
+              <a:t>  all chars from position 4 to end of string</a:t>
+            </a:r>
+          </a:p>
+          <a:p>
+            <a:pPr lvl="1">
+              <a:lnSpc>
+                <a:spcPct val="90000"/>
+              </a:lnSpc>
+            </a:pPr>
+            <a:r>
+              <a:rPr lang="en-US" dirty="0">
+                <a:latin typeface="Arial" charset="0"/>
+                <a:sym typeface="Wingdings" charset="0"/>
+              </a:rPr>
+              <a:t>Checking string length: </a:t>
+            </a:r>
+            <a:r>
+              <a:rPr lang="en-US" dirty="0">
+                <a:latin typeface="Courier New"/>
+                <a:cs typeface="Courier New"/>
+                <a:sym typeface="Wingdings" charset="0"/>
+              </a:rPr>
+              <a:t>length()</a:t>
+            </a:r>
+            <a:r>
+              <a:rPr lang="en-US" dirty="0">
+                <a:latin typeface="Arial" charset="0"/>
+                <a:sym typeface="Wingdings" charset="0"/>
+              </a:rPr>
+              <a:t>, </a:t>
+            </a:r>
+            <a:r>
+              <a:rPr lang="en-US" dirty="0">
+                <a:latin typeface="Courier New"/>
+                <a:cs typeface="Courier New"/>
+                <a:sym typeface="Wingdings" charset="0"/>
+              </a:rPr>
+              <a:t>empty() </a:t>
+            </a:r>
+            <a:r>
+              <a:rPr lang="en-US" dirty="0">
+                <a:latin typeface="Arial" charset="0"/>
+                <a:sym typeface="Wingdings" charset="0"/>
+              </a:rPr>
+              <a:t>functions</a:t>
+            </a:r>
+            <a:endParaRPr lang="en-US" dirty="0">
+              <a:latin typeface="Arial" charset="0"/>
+            </a:endParaRPr>
+          </a:p>
+          <a:p>
+            <a:pPr lvl="2">
+              <a:lnSpc>
+                <a:spcPct val="90000"/>
+              </a:lnSpc>
+            </a:pPr>
+            <a:endParaRPr lang="en-US" dirty="0">
+              <a:latin typeface="Arial" charset="0"/>
+            </a:endParaRPr>
+          </a:p>
+        </p:txBody>
+      </p:sp>
+      <p:sp>
+        <p:nvSpPr>
+          <p:cNvPr id="4" name="Date Placeholder 3"/>
           <p:cNvSpPr>
             <a:spLocks noGrp="1"/>
           </p:cNvSpPr>
           <p:nvPr>
-            <p:ph type="dt" sz="half" idx="10"/>
+            <p:ph type="dt" sz="quarter" idx="10"/>
+          </p:nvPr>
+        </p:nvSpPr>
+        <p:spPr/>
+        <p:txBody>
+          <a:bodyPr/>
+          <a:lstStyle>
+            <a:lvl1pPr eaLnBrk="0" hangingPunct="0">
+              <a:defRPr>
+                <a:solidFill>
+                  <a:schemeClr val="tx1"/>
+                </a:solidFill>
+                <a:latin typeface="Arial" charset="0"/>
+                <a:ea typeface="ＭＳ Ｐゴシック" charset="0"/>
+                <a:cs typeface="Arial" charset="0"/>
+              </a:defRPr>
+            </a:lvl1pPr>
+            <a:lvl2pPr marL="742950" indent="-285750" eaLnBrk="0" hangingPunct="0">
+              <a:defRPr>
+                <a:solidFill>
+                  <a:schemeClr val="tx1"/>
+                </a:solidFill>
+                <a:latin typeface="Arial" charset="0"/>
+                <a:ea typeface="Arial" charset="0"/>
+                <a:cs typeface="Arial" charset="0"/>
+              </a:defRPr>
+            </a:lvl2pPr>
+            <a:lvl3pPr marL="1143000" indent="-228600" eaLnBrk="0" hangingPunct="0">
+              <a:defRPr>
+                <a:solidFill>
+                  <a:schemeClr val="tx1"/>
+                </a:solidFill>
+                <a:latin typeface="Arial" charset="0"/>
+                <a:ea typeface="Arial" charset="0"/>
+                <a:cs typeface="Arial" charset="0"/>
+              </a:defRPr>
+            </a:lvl3pPr>
+            <a:lvl4pPr marL="1600200" indent="-228600" eaLnBrk="0" hangingPunct="0">
+              <a:defRPr>
+                <a:solidFill>
+                  <a:schemeClr val="tx1"/>
+                </a:solidFill>
+                <a:latin typeface="Arial" charset="0"/>
+                <a:ea typeface="Arial" charset="0"/>
+                <a:cs typeface="Arial" charset="0"/>
+              </a:defRPr>
+            </a:lvl4pPr>
+            <a:lvl5pPr marL="2057400" indent="-228600" eaLnBrk="0" hangingPunct="0">
+              <a:defRPr>
+                <a:solidFill>
+                  <a:schemeClr val="tx1"/>
+                </a:solidFill>
+                <a:latin typeface="Arial" charset="0"/>
+                <a:ea typeface="Arial" charset="0"/>
+                <a:cs typeface="Arial" charset="0"/>
+              </a:defRPr>
+            </a:lvl5pPr>
+            <a:lvl6pPr marL="2514600" indent="-228600" eaLnBrk="0" fontAlgn="base" hangingPunct="0">
+              <a:spcBef>
+                <a:spcPct val="0"/>
+              </a:spcBef>
+              <a:spcAft>
+                <a:spcPct val="0"/>
+              </a:spcAft>
+              <a:defRPr>
+                <a:solidFill>
+                  <a:schemeClr val="tx1"/>
+                </a:solidFill>
+                <a:latin typeface="Arial" charset="0"/>
+                <a:ea typeface="Arial" charset="0"/>
+                <a:cs typeface="Arial" charset="0"/>
+              </a:defRPr>
+            </a:lvl6pPr>
+            <a:lvl7pPr marL="2971800" indent="-228600" eaLnBrk="0" fontAlgn="base" hangingPunct="0">
+              <a:spcBef>
+                <a:spcPct val="0"/>
+              </a:spcBef>
+              <a:spcAft>
+                <a:spcPct val="0"/>
+              </a:spcAft>
+              <a:defRPr>
+                <a:solidFill>
+                  <a:schemeClr val="tx1"/>
+                </a:solidFill>
+                <a:latin typeface="Arial" charset="0"/>
+                <a:ea typeface="Arial" charset="0"/>
+                <a:cs typeface="Arial" charset="0"/>
+              </a:defRPr>
+            </a:lvl7pPr>
+            <a:lvl8pPr marL="3429000" indent="-228600" eaLnBrk="0" fontAlgn="base" hangingPunct="0">
+              <a:spcBef>
+                <a:spcPct val="0"/>
+              </a:spcBef>
+              <a:spcAft>
+                <a:spcPct val="0"/>
+              </a:spcAft>
+              <a:defRPr>
+                <a:solidFill>
+                  <a:schemeClr val="tx1"/>
+                </a:solidFill>
+                <a:latin typeface="Arial" charset="0"/>
+                <a:ea typeface="Arial" charset="0"/>
+                <a:cs typeface="Arial" charset="0"/>
+              </a:defRPr>
+            </a:lvl8pPr>
+            <a:lvl9pPr marL="3886200" indent="-228600" eaLnBrk="0" fontAlgn="base" hangingPunct="0">
+              <a:spcBef>
+                <a:spcPct val="0"/>
+              </a:spcBef>
+              <a:spcAft>
+                <a:spcPct val="0"/>
+              </a:spcAft>
+              <a:defRPr>
+                <a:solidFill>
+                  <a:schemeClr val="tx1"/>
+                </a:solidFill>
+                <a:latin typeface="Arial" charset="0"/>
+                <a:ea typeface="Arial" charset="0"/>
+                <a:cs typeface="Arial" charset="0"/>
+              </a:defRPr>
+            </a:lvl9pPr>
+          </a:lstStyle>
+          <a:p>
+            <a:pPr eaLnBrk="1" hangingPunct="1"/>
+            <a:fld id="{C430E2D4-558A-41B0-BAA3-CC953E210F8D}" type="datetime1">
+              <a:rPr lang="en-US" smtClean="0">
+                <a:latin typeface="Garamond" charset="0"/>
+              </a:rPr>
+              <a:t>2/23/2019</a:t>
+            </a:fld>
+            <a:endParaRPr lang="en-US">
+              <a:latin typeface="Garamond" charset="0"/>
+            </a:endParaRPr>
+          </a:p>
+        </p:txBody>
+      </p:sp>
+      <p:sp>
+        <p:nvSpPr>
+          <p:cNvPr id="5" name="Footer Placeholder 4"/>
+          <p:cNvSpPr>
+            <a:spLocks noGrp="1"/>
+          </p:cNvSpPr>
+          <p:nvPr>
+            <p:ph type="ftr" sz="quarter" idx="11"/>
           </p:nvPr>
         </p:nvSpPr>
         <p:spPr/>
@@ -7629,64 +8121,164 @@
           <a:bodyPr/>
           <a:lstStyle/>
           <a:p>
-            <a:fld id="{B438974E-CCE9-46CA-B26A-731DBE958294}" type="datetime1">
-              <a:rPr lang="en-US" smtClean="0"/>
-              <a:t>2/22/2019</a:t>
-            </a:fld>
-            <a:endParaRPr lang="en-US"/>
-          </a:p>
-        </p:txBody>
-      </p:sp>
-      <p:sp>
-        <p:nvSpPr>
-          <p:cNvPr id="4" name="Footer Placeholder 4"/>
+            <a:pPr>
+              <a:defRPr/>
+            </a:pPr>
+            <a:r>
+              <a:rPr lang="en-US" altLang="en-US"/>
+              <a:t>Data Structures: Exam 1 Preview</a:t>
+            </a:r>
+          </a:p>
+        </p:txBody>
+      </p:sp>
+      <p:sp>
+        <p:nvSpPr>
+          <p:cNvPr id="6" name="Slide Number Placeholder 5"/>
           <p:cNvSpPr>
             <a:spLocks noGrp="1"/>
           </p:cNvSpPr>
           <p:nvPr>
-            <p:ph type="ftr" sz="quarter" idx="11"/>
+            <p:ph type="sldNum" sz="quarter" idx="12"/>
           </p:nvPr>
         </p:nvSpPr>
         <p:spPr/>
         <p:txBody>
           <a:bodyPr/>
-          <a:lstStyle/>
-          <a:p>
-            <a:r>
-              <a:rPr lang="en-US"/>
-              <a:t>Data Structures: Exam 1 Preview</a:t>
-            </a:r>
-          </a:p>
-        </p:txBody>
-      </p:sp>
-      <p:sp>
-        <p:nvSpPr>
-          <p:cNvPr id="5" name="Slide Number Placeholder 5"/>
-          <p:cNvSpPr>
-            <a:spLocks noGrp="1"/>
-          </p:cNvSpPr>
-          <p:nvPr>
-            <p:ph type="sldNum" sz="quarter" idx="12"/>
-          </p:nvPr>
-        </p:nvSpPr>
-        <p:spPr/>
-        <p:txBody>
-          <a:bodyPr/>
-          <a:lstStyle/>
-          <a:p>
-            <a:fld id="{6DA2CD92-6EE4-1F4B-96C7-1988FB638A37}" type="slidenum">
-              <a:rPr lang="en-US" smtClean="0"/>
-              <a:pPr/>
+          <a:lstStyle>
+            <a:lvl1pPr eaLnBrk="0" hangingPunct="0">
+              <a:defRPr>
+                <a:solidFill>
+                  <a:schemeClr val="tx1"/>
+                </a:solidFill>
+                <a:latin typeface="Arial" charset="0"/>
+                <a:ea typeface="ＭＳ Ｐゴシック" charset="0"/>
+                <a:cs typeface="Arial" charset="0"/>
+              </a:defRPr>
+            </a:lvl1pPr>
+            <a:lvl2pPr marL="742950" indent="-285750" eaLnBrk="0" hangingPunct="0">
+              <a:defRPr>
+                <a:solidFill>
+                  <a:schemeClr val="tx1"/>
+                </a:solidFill>
+                <a:latin typeface="Arial" charset="0"/>
+                <a:ea typeface="Arial" charset="0"/>
+                <a:cs typeface="Arial" charset="0"/>
+              </a:defRPr>
+            </a:lvl2pPr>
+            <a:lvl3pPr marL="1143000" indent="-228600" eaLnBrk="0" hangingPunct="0">
+              <a:defRPr>
+                <a:solidFill>
+                  <a:schemeClr val="tx1"/>
+                </a:solidFill>
+                <a:latin typeface="Arial" charset="0"/>
+                <a:ea typeface="Arial" charset="0"/>
+                <a:cs typeface="Arial" charset="0"/>
+              </a:defRPr>
+            </a:lvl3pPr>
+            <a:lvl4pPr marL="1600200" indent="-228600" eaLnBrk="0" hangingPunct="0">
+              <a:defRPr>
+                <a:solidFill>
+                  <a:schemeClr val="tx1"/>
+                </a:solidFill>
+                <a:latin typeface="Arial" charset="0"/>
+                <a:ea typeface="Arial" charset="0"/>
+                <a:cs typeface="Arial" charset="0"/>
+              </a:defRPr>
+            </a:lvl4pPr>
+            <a:lvl5pPr marL="2057400" indent="-228600" eaLnBrk="0" hangingPunct="0">
+              <a:defRPr>
+                <a:solidFill>
+                  <a:schemeClr val="tx1"/>
+                </a:solidFill>
+                <a:latin typeface="Arial" charset="0"/>
+                <a:ea typeface="Arial" charset="0"/>
+                <a:cs typeface="Arial" charset="0"/>
+              </a:defRPr>
+            </a:lvl5pPr>
+            <a:lvl6pPr marL="2514600" indent="-228600" eaLnBrk="0" fontAlgn="base" hangingPunct="0">
+              <a:spcBef>
+                <a:spcPct val="0"/>
+              </a:spcBef>
+              <a:spcAft>
+                <a:spcPct val="0"/>
+              </a:spcAft>
+              <a:defRPr>
+                <a:solidFill>
+                  <a:schemeClr val="tx1"/>
+                </a:solidFill>
+                <a:latin typeface="Arial" charset="0"/>
+                <a:ea typeface="Arial" charset="0"/>
+                <a:cs typeface="Arial" charset="0"/>
+              </a:defRPr>
+            </a:lvl6pPr>
+            <a:lvl7pPr marL="2971800" indent="-228600" eaLnBrk="0" fontAlgn="base" hangingPunct="0">
+              <a:spcBef>
+                <a:spcPct val="0"/>
+              </a:spcBef>
+              <a:spcAft>
+                <a:spcPct val="0"/>
+              </a:spcAft>
+              <a:defRPr>
+                <a:solidFill>
+                  <a:schemeClr val="tx1"/>
+                </a:solidFill>
+                <a:latin typeface="Arial" charset="0"/>
+                <a:ea typeface="Arial" charset="0"/>
+                <a:cs typeface="Arial" charset="0"/>
+              </a:defRPr>
+            </a:lvl7pPr>
+            <a:lvl8pPr marL="3429000" indent="-228600" eaLnBrk="0" fontAlgn="base" hangingPunct="0">
+              <a:spcBef>
+                <a:spcPct val="0"/>
+              </a:spcBef>
+              <a:spcAft>
+                <a:spcPct val="0"/>
+              </a:spcAft>
+              <a:defRPr>
+                <a:solidFill>
+                  <a:schemeClr val="tx1"/>
+                </a:solidFill>
+                <a:latin typeface="Arial" charset="0"/>
+                <a:ea typeface="Arial" charset="0"/>
+                <a:cs typeface="Arial" charset="0"/>
+              </a:defRPr>
+            </a:lvl8pPr>
+            <a:lvl9pPr marL="3886200" indent="-228600" eaLnBrk="0" fontAlgn="base" hangingPunct="0">
+              <a:spcBef>
+                <a:spcPct val="0"/>
+              </a:spcBef>
+              <a:spcAft>
+                <a:spcPct val="0"/>
+              </a:spcAft>
+              <a:defRPr>
+                <a:solidFill>
+                  <a:schemeClr val="tx1"/>
+                </a:solidFill>
+                <a:latin typeface="Arial" charset="0"/>
+                <a:ea typeface="Arial" charset="0"/>
+                <a:cs typeface="Arial" charset="0"/>
+              </a:defRPr>
+            </a:lvl9pPr>
+          </a:lstStyle>
+          <a:p>
+            <a:pPr eaLnBrk="1" hangingPunct="1"/>
+            <a:fld id="{A4B7E40F-B2E9-0F4B-84E1-C63009E228F2}" type="slidenum">
+              <a:rPr lang="en-US">
+                <a:latin typeface="Garamond" charset="0"/>
+              </a:rPr>
+              <a:pPr eaLnBrk="1" hangingPunct="1"/>
               <a:t>13</a:t>
             </a:fld>
-            <a:endParaRPr lang="en-US"/>
+            <a:endParaRPr lang="en-US">
+              <a:latin typeface="Garamond" charset="0"/>
+            </a:endParaRPr>
           </a:p>
         </p:txBody>
       </p:sp>
     </p:spTree>
     <p:extLst>
       <p:ext uri="{BB962C8B-B14F-4D97-AF65-F5344CB8AC3E}">
-        <p14:creationId xmlns:p14="http://schemas.microsoft.com/office/powerpoint/2010/main" val="4214368319"/>
+        <p14:creationId xmlns:p14="http://schemas.microsoft.com/office/powerpoint/2010/main" val="2033859097"/>
       </p:ext>
     </p:extLst>
   </p:cSld>
@@ -7715,9 +8307,9 @@
       </p:grpSpPr>
       <p:sp>
         <p:nvSpPr>
-          <p:cNvPr id="32769" name="Title 1"/>
-          <p:cNvSpPr>
-            <a:spLocks noGrp="1"/>
+          <p:cNvPr id="71682" name="Rectangle 2"/>
+          <p:cNvSpPr>
+            <a:spLocks noGrp="1" noChangeArrowheads="1"/>
           </p:cNvSpPr>
           <p:nvPr>
             <p:ph type="title"/>
@@ -7725,396 +8317,88 @@
         </p:nvSpPr>
         <p:spPr/>
         <p:txBody>
+          <a:bodyPr/>
+          <a:lstStyle/>
+          <a:p>
+            <a:r>
+              <a:rPr lang="en-US" dirty="0"/>
+              <a:t>Review: Algorithmic complexity</a:t>
+            </a:r>
+          </a:p>
+        </p:txBody>
+      </p:sp>
+      <p:sp>
+        <p:nvSpPr>
+          <p:cNvPr id="71683" name="Rectangle 3"/>
+          <p:cNvSpPr>
+            <a:spLocks noGrp="1" noChangeArrowheads="1"/>
+          </p:cNvSpPr>
+          <p:nvPr>
+            <p:ph idx="1"/>
+          </p:nvPr>
+        </p:nvSpPr>
+        <p:spPr/>
+        <p:txBody>
           <a:bodyPr>
-            <a:normAutofit fontScale="90000"/>
+            <a:normAutofit lnSpcReduction="10000"/>
           </a:bodyPr>
           <a:lstStyle/>
           <a:p>
             <a:r>
-              <a:rPr lang="en-US" dirty="0">
-                <a:latin typeface="Garamond" charset="0"/>
-              </a:rPr>
-              <a:t>Review: Classes</a:t>
-            </a:r>
-          </a:p>
-        </p:txBody>
-      </p:sp>
-      <p:sp>
-        <p:nvSpPr>
-          <p:cNvPr id="5123" name="Content Placeholder 2"/>
+              <a:rPr lang="en-US" dirty="0"/>
+              <a:t>Typically try to approximate worst-case computing time</a:t>
+            </a:r>
+          </a:p>
+          <a:p>
+            <a:r>
+              <a:rPr lang="en-US" dirty="0"/>
+              <a:t>Measure time as T(n), function of n</a:t>
+            </a:r>
+          </a:p>
+          <a:p>
+            <a:pPr lvl="1"/>
+            <a:r>
+              <a:rPr lang="en-US" dirty="0"/>
+              <a:t>Count number of times each step in algorithm executes</a:t>
+            </a:r>
+          </a:p>
+          <a:p>
+            <a:r>
+              <a:rPr lang="en-US" dirty="0"/>
+              <a:t>Use big O notation—O(f(n))—to express order of magnitude</a:t>
+            </a:r>
+          </a:p>
+          <a:p>
+            <a:pPr lvl="1"/>
+            <a:r>
+              <a:rPr lang="en-US" dirty="0"/>
+              <a:t>Choose slowest growing function that provides upper bound on execution time</a:t>
+            </a:r>
+          </a:p>
+          <a:p>
+            <a:pPr lvl="1"/>
+            <a:r>
+              <a:rPr lang="en-US" dirty="0"/>
+              <a:t>Look at largest exponent in T(n) term</a:t>
+            </a:r>
+          </a:p>
+          <a:p>
+            <a:pPr lvl="1"/>
+            <a:r>
+              <a:rPr lang="en-US" dirty="0"/>
+              <a:t>Ignore constants, multipliers</a:t>
+            </a:r>
+          </a:p>
+        </p:txBody>
+      </p:sp>
+      <p:sp>
+        <p:nvSpPr>
+          <p:cNvPr id="2" name="Date Placeholder 1"/>
           <p:cNvSpPr>
             <a:spLocks noGrp="1"/>
           </p:cNvSpPr>
           <p:nvPr>
-            <p:ph idx="1"/>
-          </p:nvPr>
-        </p:nvSpPr>
-        <p:spPr>
-          <a:xfrm>
-            <a:off x="457200" y="1066800"/>
-            <a:ext cx="8229600" cy="5064125"/>
-          </a:xfrm>
-        </p:spPr>
-        <p:txBody>
-          <a:bodyPr>
-            <a:normAutofit fontScale="92500" lnSpcReduction="10000"/>
-          </a:bodyPr>
-          <a:lstStyle/>
-          <a:p>
-            <a:pPr>
-              <a:buFont typeface="Wingdings" pitchFamily="2" charset="2"/>
-              <a:buChar char="n"/>
-              <a:defRPr/>
-            </a:pPr>
-            <a:r>
-              <a:rPr lang="en-US" dirty="0">
-                <a:solidFill>
-                  <a:srgbClr val="0000FF"/>
-                </a:solidFill>
-                <a:ea typeface="+mn-ea"/>
-                <a:cs typeface="+mn-cs"/>
-              </a:rPr>
-              <a:t>Classes</a:t>
-            </a:r>
-            <a:r>
-              <a:rPr lang="en-US" dirty="0">
-                <a:ea typeface="+mn-ea"/>
-                <a:cs typeface="+mn-cs"/>
-              </a:rPr>
-              <a:t> allow programmer to define their own types</a:t>
-            </a:r>
-          </a:p>
-          <a:p>
-            <a:pPr lvl="1">
-              <a:buFont typeface="Wingdings" pitchFamily="2" charset="2"/>
-              <a:buChar char="q"/>
-              <a:defRPr/>
-            </a:pPr>
-            <a:r>
-              <a:rPr lang="en-US" dirty="0">
-                <a:solidFill>
-                  <a:srgbClr val="0000FF"/>
-                </a:solidFill>
-              </a:rPr>
-              <a:t>Objects</a:t>
-            </a:r>
-            <a:r>
-              <a:rPr lang="en-US" dirty="0"/>
-              <a:t>: instances of a class</a:t>
-            </a:r>
-          </a:p>
-          <a:p>
-            <a:pPr>
-              <a:buFont typeface="Wingdings" pitchFamily="2" charset="2"/>
-              <a:buChar char="n"/>
-              <a:defRPr/>
-            </a:pPr>
-            <a:r>
-              <a:rPr lang="en-US" dirty="0">
-                <a:ea typeface="+mn-ea"/>
-                <a:cs typeface="+mn-cs"/>
-              </a:rPr>
-              <a:t>Each class typically contains</a:t>
-            </a:r>
-          </a:p>
-          <a:p>
-            <a:pPr lvl="1">
-              <a:buFont typeface="Wingdings" pitchFamily="2" charset="2"/>
-              <a:buChar char="q"/>
-              <a:defRPr/>
-            </a:pPr>
-            <a:r>
-              <a:rPr lang="en-US" dirty="0">
-                <a:solidFill>
-                  <a:srgbClr val="0000FF"/>
-                </a:solidFill>
-              </a:rPr>
-              <a:t>Data members</a:t>
-            </a:r>
-            <a:r>
-              <a:rPr lang="en-US" dirty="0"/>
-              <a:t>: attributes for each object</a:t>
-            </a:r>
-          </a:p>
-          <a:p>
-            <a:pPr lvl="2">
-              <a:buFont typeface="Wingdings" pitchFamily="2" charset="2"/>
-              <a:buChar char="n"/>
-              <a:defRPr/>
-            </a:pPr>
-            <a:r>
-              <a:rPr lang="en-US" dirty="0"/>
-              <a:t>Each object has own copy of data members</a:t>
-            </a:r>
-          </a:p>
-          <a:p>
-            <a:pPr lvl="1">
-              <a:buFont typeface="Wingdings" pitchFamily="2" charset="2"/>
-              <a:buChar char="q"/>
-              <a:defRPr/>
-            </a:pPr>
-            <a:r>
-              <a:rPr lang="en-US" dirty="0">
-                <a:solidFill>
-                  <a:srgbClr val="0000FF"/>
-                </a:solidFill>
-              </a:rPr>
-              <a:t>Member functions</a:t>
-            </a:r>
-            <a:r>
-              <a:rPr lang="en-US" dirty="0"/>
-              <a:t>: Tasks specific to class</a:t>
-            </a:r>
-          </a:p>
-          <a:p>
-            <a:pPr>
-              <a:buFont typeface="Wingdings" pitchFamily="2" charset="2"/>
-              <a:buChar char="n"/>
-              <a:defRPr/>
-            </a:pPr>
-            <a:r>
-              <a:rPr lang="en-US" dirty="0">
-                <a:ea typeface="+mn-ea"/>
-                <a:cs typeface="+mn-cs"/>
-              </a:rPr>
-              <a:t>Data/functions can be </a:t>
-            </a:r>
-            <a:r>
-              <a:rPr lang="en-US" dirty="0">
-                <a:solidFill>
-                  <a:srgbClr val="0000FF"/>
-                </a:solidFill>
-                <a:ea typeface="+mn-ea"/>
-                <a:cs typeface="+mn-cs"/>
-              </a:rPr>
-              <a:t>public</a:t>
-            </a:r>
-            <a:r>
-              <a:rPr lang="en-US" dirty="0">
-                <a:ea typeface="+mn-ea"/>
-                <a:cs typeface="+mn-cs"/>
-              </a:rPr>
-              <a:t> or </a:t>
-            </a:r>
-            <a:r>
-              <a:rPr lang="en-US" dirty="0">
-                <a:solidFill>
-                  <a:srgbClr val="0000FF"/>
-                </a:solidFill>
-                <a:ea typeface="+mn-ea"/>
-                <a:cs typeface="+mn-cs"/>
-              </a:rPr>
-              <a:t>private</a:t>
-            </a:r>
-          </a:p>
-          <a:p>
-            <a:pPr lvl="1">
-              <a:buFont typeface="Wingdings" pitchFamily="2" charset="2"/>
-              <a:buChar char="q"/>
-              <a:defRPr/>
-            </a:pPr>
-            <a:r>
-              <a:rPr lang="en-US" dirty="0"/>
-              <a:t>Private members only accessible within member functions</a:t>
-            </a:r>
-          </a:p>
-          <a:p>
-            <a:pPr lvl="2">
-              <a:buFont typeface="Wingdings" pitchFamily="2" charset="2"/>
-              <a:buChar char="q"/>
-              <a:defRPr/>
-            </a:pPr>
-            <a:r>
-              <a:rPr lang="en-US" dirty="0"/>
-              <a:t>Often accessed through “set”, “get” functions</a:t>
-            </a:r>
-          </a:p>
-          <a:p>
-            <a:pPr lvl="1">
-              <a:buFont typeface="Wingdings" pitchFamily="2" charset="2"/>
-              <a:buChar char="q"/>
-              <a:defRPr/>
-            </a:pPr>
-            <a:r>
-              <a:rPr lang="en-US" dirty="0"/>
-              <a:t>Private functions also known as </a:t>
-            </a:r>
-            <a:r>
-              <a:rPr lang="en-US" dirty="0">
-                <a:solidFill>
-                  <a:srgbClr val="0000FF"/>
-                </a:solidFill>
-              </a:rPr>
-              <a:t>helper functions</a:t>
-            </a:r>
-          </a:p>
-        </p:txBody>
-      </p:sp>
-      <p:sp>
-        <p:nvSpPr>
-          <p:cNvPr id="32771" name="Date Placeholder 3"/>
-          <p:cNvSpPr>
-            <a:spLocks noGrp="1"/>
-          </p:cNvSpPr>
-          <p:nvPr>
-            <p:ph type="dt" sz="quarter" idx="10"/>
-          </p:nvPr>
-        </p:nvSpPr>
-        <p:spPr>
-          <a:noFill/>
-          <a:ln/>
-          <a:extLst>
-            <a:ext uri="{909E8E84-426E-40DD-AFC4-6F175D3DCCD1}">
-              <a14:hiddenFill xmlns:a14="http://schemas.microsoft.com/office/drawing/2010/main">
-                <a:solidFill>
-                  <a:srgbClr val="FFFFFF"/>
-                </a:solidFill>
-              </a14:hiddenFill>
-            </a:ext>
-            <a:ext uri="{91240B29-F687-4F45-9708-019B960494DF}">
-              <a14:hiddenLine xmlns:a14="http://schemas.microsoft.com/office/drawing/2010/main" w="9525">
-                <a:solidFill>
-                  <a:srgbClr val="000000"/>
-                </a:solidFill>
-                <a:miter lim="800000"/>
-                <a:headEnd/>
-                <a:tailEnd/>
-              </a14:hiddenLine>
-            </a:ext>
-          </a:extLst>
-        </p:spPr>
-        <p:txBody>
-          <a:bodyPr/>
-          <a:lstStyle>
-            <a:lvl1pPr eaLnBrk="0" hangingPunct="0">
-              <a:defRPr sz="2400">
-                <a:solidFill>
-                  <a:schemeClr val="tx1"/>
-                </a:solidFill>
-                <a:latin typeface="Arial" charset="0"/>
-                <a:ea typeface="ＭＳ Ｐゴシック" charset="0"/>
-                <a:cs typeface="ＭＳ Ｐゴシック" charset="0"/>
-              </a:defRPr>
-            </a:lvl1pPr>
-            <a:lvl2pPr marL="742950" indent="-285750" eaLnBrk="0" hangingPunct="0">
-              <a:defRPr sz="2400">
-                <a:solidFill>
-                  <a:schemeClr val="tx1"/>
-                </a:solidFill>
-                <a:latin typeface="Arial" charset="0"/>
-                <a:ea typeface="ＭＳ Ｐゴシック" charset="0"/>
-              </a:defRPr>
-            </a:lvl2pPr>
-            <a:lvl3pPr marL="1143000" indent="-228600" eaLnBrk="0" hangingPunct="0">
-              <a:defRPr sz="2400">
-                <a:solidFill>
-                  <a:schemeClr val="tx1"/>
-                </a:solidFill>
-                <a:latin typeface="Arial" charset="0"/>
-                <a:ea typeface="ＭＳ Ｐゴシック" charset="0"/>
-              </a:defRPr>
-            </a:lvl3pPr>
-            <a:lvl4pPr marL="1600200" indent="-228600" eaLnBrk="0" hangingPunct="0">
-              <a:defRPr sz="2400">
-                <a:solidFill>
-                  <a:schemeClr val="tx1"/>
-                </a:solidFill>
-                <a:latin typeface="Arial" charset="0"/>
-                <a:ea typeface="ＭＳ Ｐゴシック" charset="0"/>
-              </a:defRPr>
-            </a:lvl4pPr>
-            <a:lvl5pPr marL="2057400" indent="-228600" eaLnBrk="0" hangingPunct="0">
-              <a:defRPr sz="2400">
-                <a:solidFill>
-                  <a:schemeClr val="tx1"/>
-                </a:solidFill>
-                <a:latin typeface="Arial" charset="0"/>
-                <a:ea typeface="ＭＳ Ｐゴシック" charset="0"/>
-              </a:defRPr>
-            </a:lvl5pPr>
-            <a:lvl6pPr marL="2514600" indent="-228600" eaLnBrk="0" fontAlgn="base" hangingPunct="0">
-              <a:spcBef>
-                <a:spcPct val="0"/>
-              </a:spcBef>
-              <a:spcAft>
-                <a:spcPct val="0"/>
-              </a:spcAft>
-              <a:defRPr sz="2400">
-                <a:solidFill>
-                  <a:schemeClr val="tx1"/>
-                </a:solidFill>
-                <a:latin typeface="Arial" charset="0"/>
-                <a:ea typeface="ＭＳ Ｐゴシック" charset="0"/>
-              </a:defRPr>
-            </a:lvl6pPr>
-            <a:lvl7pPr marL="2971800" indent="-228600" eaLnBrk="0" fontAlgn="base" hangingPunct="0">
-              <a:spcBef>
-                <a:spcPct val="0"/>
-              </a:spcBef>
-              <a:spcAft>
-                <a:spcPct val="0"/>
-              </a:spcAft>
-              <a:defRPr sz="2400">
-                <a:solidFill>
-                  <a:schemeClr val="tx1"/>
-                </a:solidFill>
-                <a:latin typeface="Arial" charset="0"/>
-                <a:ea typeface="ＭＳ Ｐゴシック" charset="0"/>
-              </a:defRPr>
-            </a:lvl7pPr>
-            <a:lvl8pPr marL="3429000" indent="-228600" eaLnBrk="0" fontAlgn="base" hangingPunct="0">
-              <a:spcBef>
-                <a:spcPct val="0"/>
-              </a:spcBef>
-              <a:spcAft>
-                <a:spcPct val="0"/>
-              </a:spcAft>
-              <a:defRPr sz="2400">
-                <a:solidFill>
-                  <a:schemeClr val="tx1"/>
-                </a:solidFill>
-                <a:latin typeface="Arial" charset="0"/>
-                <a:ea typeface="ＭＳ Ｐゴシック" charset="0"/>
-              </a:defRPr>
-            </a:lvl8pPr>
-            <a:lvl9pPr marL="3886200" indent="-228600" eaLnBrk="0" fontAlgn="base" hangingPunct="0">
-              <a:spcBef>
-                <a:spcPct val="0"/>
-              </a:spcBef>
-              <a:spcAft>
-                <a:spcPct val="0"/>
-              </a:spcAft>
-              <a:defRPr sz="2400">
-                <a:solidFill>
-                  <a:schemeClr val="tx1"/>
-                </a:solidFill>
-                <a:latin typeface="Arial" charset="0"/>
-                <a:ea typeface="ＭＳ Ｐゴシック" charset="0"/>
-              </a:defRPr>
-            </a:lvl9pPr>
-          </a:lstStyle>
-          <a:p>
-            <a:pPr eaLnBrk="1" hangingPunct="1"/>
-            <a:fld id="{83DAEFD2-70C3-4EF9-AC98-BD25B87F0876}" type="datetime1">
-              <a:rPr lang="en-US" sz="1200" smtClean="0">
-                <a:latin typeface="Garamond" charset="0"/>
-              </a:rPr>
-              <a:t>2/22/2019</a:t>
-            </a:fld>
-            <a:endParaRPr lang="en-US" sz="1200">
-              <a:latin typeface="Garamond" charset="0"/>
-            </a:endParaRPr>
-          </a:p>
-        </p:txBody>
-      </p:sp>
-      <p:sp>
-        <p:nvSpPr>
-          <p:cNvPr id="9221" name="Footer Placeholder 4"/>
-          <p:cNvSpPr>
-            <a:spLocks noGrp="1"/>
-          </p:cNvSpPr>
-          <p:nvPr>
-            <p:ph type="ftr" sz="quarter" idx="11"/>
+            <p:ph type="dt" sz="half" idx="10"/>
           </p:nvPr>
         </p:nvSpPr>
         <p:spPr/>
@@ -8122,9 +8406,29 @@
           <a:bodyPr/>
           <a:lstStyle/>
           <a:p>
-            <a:pPr>
-              <a:defRPr/>
-            </a:pPr>
+            <a:fld id="{C9637AC9-BF00-43FB-B607-1107EF051E94}" type="datetime1">
+              <a:rPr lang="en-US" smtClean="0"/>
+              <a:t>2/23/2019</a:t>
+            </a:fld>
+            <a:endParaRPr lang="en-US"/>
+          </a:p>
+        </p:txBody>
+      </p:sp>
+      <p:sp>
+        <p:nvSpPr>
+          <p:cNvPr id="4" name="Footer Placeholder 4"/>
+          <p:cNvSpPr>
+            <a:spLocks noGrp="1"/>
+          </p:cNvSpPr>
+          <p:nvPr>
+            <p:ph type="ftr" sz="quarter" idx="11"/>
+          </p:nvPr>
+        </p:nvSpPr>
+        <p:spPr/>
+        <p:txBody>
+          <a:bodyPr/>
+          <a:lstStyle/>
+          <a:p>
             <a:r>
               <a:rPr lang="en-US"/>
               <a:t>Data Structures: Exam 1 Preview</a:t>
@@ -8134,7 +8438,7 @@
       </p:sp>
       <p:sp>
         <p:nvSpPr>
-          <p:cNvPr id="32773" name="Slide Number Placeholder 5"/>
+          <p:cNvPr id="5" name="Slide Number Placeholder 5"/>
           <p:cNvSpPr>
             <a:spLocks noGrp="1"/>
           </p:cNvSpPr>
@@ -8142,165 +8446,30 @@
             <p:ph type="sldNum" sz="quarter" idx="12"/>
           </p:nvPr>
         </p:nvSpPr>
-        <p:spPr>
-          <a:noFill/>
-          <a:ln/>
-          <a:extLst>
-            <a:ext uri="{909E8E84-426E-40DD-AFC4-6F175D3DCCD1}">
-              <a14:hiddenFill xmlns:a14="http://schemas.microsoft.com/office/drawing/2010/main">
-                <a:solidFill>
-                  <a:srgbClr val="FFFFFF"/>
-                </a:solidFill>
-              </a14:hiddenFill>
-            </a:ext>
-            <a:ext uri="{91240B29-F687-4F45-9708-019B960494DF}">
-              <a14:hiddenLine xmlns:a14="http://schemas.microsoft.com/office/drawing/2010/main" w="9525">
-                <a:solidFill>
-                  <a:srgbClr val="000000"/>
-                </a:solidFill>
-                <a:miter lim="800000"/>
-                <a:headEnd/>
-                <a:tailEnd/>
-              </a14:hiddenLine>
-            </a:ext>
-          </a:extLst>
-        </p:spPr>
+        <p:spPr/>
         <p:txBody>
           <a:bodyPr/>
-          <a:lstStyle>
-            <a:lvl1pPr eaLnBrk="0" hangingPunct="0">
-              <a:defRPr sz="2400">
-                <a:solidFill>
-                  <a:schemeClr val="tx1"/>
-                </a:solidFill>
-                <a:latin typeface="Arial" charset="0"/>
-                <a:ea typeface="ＭＳ Ｐゴシック" charset="0"/>
-                <a:cs typeface="ＭＳ Ｐゴシック" charset="0"/>
-              </a:defRPr>
-            </a:lvl1pPr>
-            <a:lvl2pPr marL="742950" indent="-285750" eaLnBrk="0" hangingPunct="0">
-              <a:defRPr sz="2400">
-                <a:solidFill>
-                  <a:schemeClr val="tx1"/>
-                </a:solidFill>
-                <a:latin typeface="Arial" charset="0"/>
-                <a:ea typeface="ＭＳ Ｐゴシック" charset="0"/>
-              </a:defRPr>
-            </a:lvl2pPr>
-            <a:lvl3pPr marL="1143000" indent="-228600" eaLnBrk="0" hangingPunct="0">
-              <a:defRPr sz="2400">
-                <a:solidFill>
-                  <a:schemeClr val="tx1"/>
-                </a:solidFill>
-                <a:latin typeface="Arial" charset="0"/>
-                <a:ea typeface="ＭＳ Ｐゴシック" charset="0"/>
-              </a:defRPr>
-            </a:lvl3pPr>
-            <a:lvl4pPr marL="1600200" indent="-228600" eaLnBrk="0" hangingPunct="0">
-              <a:defRPr sz="2400">
-                <a:solidFill>
-                  <a:schemeClr val="tx1"/>
-                </a:solidFill>
-                <a:latin typeface="Arial" charset="0"/>
-                <a:ea typeface="ＭＳ Ｐゴシック" charset="0"/>
-              </a:defRPr>
-            </a:lvl4pPr>
-            <a:lvl5pPr marL="2057400" indent="-228600" eaLnBrk="0" hangingPunct="0">
-              <a:defRPr sz="2400">
-                <a:solidFill>
-                  <a:schemeClr val="tx1"/>
-                </a:solidFill>
-                <a:latin typeface="Arial" charset="0"/>
-                <a:ea typeface="ＭＳ Ｐゴシック" charset="0"/>
-              </a:defRPr>
-            </a:lvl5pPr>
-            <a:lvl6pPr marL="2514600" indent="-228600" eaLnBrk="0" fontAlgn="base" hangingPunct="0">
-              <a:spcBef>
-                <a:spcPct val="0"/>
-              </a:spcBef>
-              <a:spcAft>
-                <a:spcPct val="0"/>
-              </a:spcAft>
-              <a:defRPr sz="2400">
-                <a:solidFill>
-                  <a:schemeClr val="tx1"/>
-                </a:solidFill>
-                <a:latin typeface="Arial" charset="0"/>
-                <a:ea typeface="ＭＳ Ｐゴシック" charset="0"/>
-              </a:defRPr>
-            </a:lvl6pPr>
-            <a:lvl7pPr marL="2971800" indent="-228600" eaLnBrk="0" fontAlgn="base" hangingPunct="0">
-              <a:spcBef>
-                <a:spcPct val="0"/>
-              </a:spcBef>
-              <a:spcAft>
-                <a:spcPct val="0"/>
-              </a:spcAft>
-              <a:defRPr sz="2400">
-                <a:solidFill>
-                  <a:schemeClr val="tx1"/>
-                </a:solidFill>
-                <a:latin typeface="Arial" charset="0"/>
-                <a:ea typeface="ＭＳ Ｐゴシック" charset="0"/>
-              </a:defRPr>
-            </a:lvl7pPr>
-            <a:lvl8pPr marL="3429000" indent="-228600" eaLnBrk="0" fontAlgn="base" hangingPunct="0">
-              <a:spcBef>
-                <a:spcPct val="0"/>
-              </a:spcBef>
-              <a:spcAft>
-                <a:spcPct val="0"/>
-              </a:spcAft>
-              <a:defRPr sz="2400">
-                <a:solidFill>
-                  <a:schemeClr val="tx1"/>
-                </a:solidFill>
-                <a:latin typeface="Arial" charset="0"/>
-                <a:ea typeface="ＭＳ Ｐゴシック" charset="0"/>
-              </a:defRPr>
-            </a:lvl8pPr>
-            <a:lvl9pPr marL="3886200" indent="-228600" eaLnBrk="0" fontAlgn="base" hangingPunct="0">
-              <a:spcBef>
-                <a:spcPct val="0"/>
-              </a:spcBef>
-              <a:spcAft>
-                <a:spcPct val="0"/>
-              </a:spcAft>
-              <a:defRPr sz="2400">
-                <a:solidFill>
-                  <a:schemeClr val="tx1"/>
-                </a:solidFill>
-                <a:latin typeface="Arial" charset="0"/>
-                <a:ea typeface="ＭＳ Ｐゴシック" charset="0"/>
-              </a:defRPr>
-            </a:lvl9pPr>
-          </a:lstStyle>
-          <a:p>
-            <a:pPr eaLnBrk="1" hangingPunct="1"/>
-            <a:fld id="{07971867-87BA-C349-9EDD-2188B95142AB}" type="slidenum">
-              <a:rPr lang="en-US" sz="1200">
-                <a:latin typeface="Garamond" charset="0"/>
-              </a:rPr>
-              <a:pPr eaLnBrk="1" hangingPunct="1"/>
+          <a:lstStyle/>
+          <a:p>
+            <a:fld id="{6DA2CD92-6EE4-1F4B-96C7-1988FB638A37}" type="slidenum">
+              <a:rPr lang="en-US" smtClean="0"/>
+              <a:pPr/>
               <a:t>14</a:t>
             </a:fld>
-            <a:endParaRPr lang="en-US" sz="1200">
-              <a:latin typeface="Garamond" charset="0"/>
-            </a:endParaRPr>
+            <a:endParaRPr lang="en-US"/>
           </a:p>
         </p:txBody>
       </p:sp>
     </p:spTree>
     <p:extLst>
       <p:ext uri="{BB962C8B-B14F-4D97-AF65-F5344CB8AC3E}">
-        <p14:creationId xmlns:p14="http://schemas.microsoft.com/office/powerpoint/2010/main" val="2197499934"/>
+        <p14:creationId xmlns:p14="http://schemas.microsoft.com/office/powerpoint/2010/main" val="4214368319"/>
       </p:ext>
     </p:extLst>
   </p:cSld>
   <p:clrMapOvr>
     <a:masterClrMapping/>
   </p:clrMapOvr>
-  <p:transition/>
 </p:sld>
 </file>
 
@@ -8323,7 +8492,401 @@
       </p:grpSpPr>
       <p:sp>
         <p:nvSpPr>
-          <p:cNvPr id="4" name="Footer Placeholder 4"/>
+          <p:cNvPr id="32769" name="Title 1"/>
+          <p:cNvSpPr>
+            <a:spLocks noGrp="1"/>
+          </p:cNvSpPr>
+          <p:nvPr>
+            <p:ph type="title"/>
+          </p:nvPr>
+        </p:nvSpPr>
+        <p:spPr/>
+        <p:txBody>
+          <a:bodyPr>
+            <a:normAutofit fontScale="90000"/>
+          </a:bodyPr>
+          <a:lstStyle/>
+          <a:p>
+            <a:r>
+              <a:rPr lang="en-US" dirty="0">
+                <a:latin typeface="Garamond" charset="0"/>
+              </a:rPr>
+              <a:t>Review: Classes</a:t>
+            </a:r>
+          </a:p>
+        </p:txBody>
+      </p:sp>
+      <p:sp>
+        <p:nvSpPr>
+          <p:cNvPr id="5123" name="Content Placeholder 2"/>
+          <p:cNvSpPr>
+            <a:spLocks noGrp="1"/>
+          </p:cNvSpPr>
+          <p:nvPr>
+            <p:ph idx="1"/>
+          </p:nvPr>
+        </p:nvSpPr>
+        <p:spPr>
+          <a:xfrm>
+            <a:off x="457200" y="1066800"/>
+            <a:ext cx="8229600" cy="5064125"/>
+          </a:xfrm>
+        </p:spPr>
+        <p:txBody>
+          <a:bodyPr>
+            <a:normAutofit fontScale="92500" lnSpcReduction="10000"/>
+          </a:bodyPr>
+          <a:lstStyle/>
+          <a:p>
+            <a:pPr>
+              <a:buFont typeface="Wingdings" pitchFamily="2" charset="2"/>
+              <a:buChar char="n"/>
+              <a:defRPr/>
+            </a:pPr>
+            <a:r>
+              <a:rPr lang="en-US" dirty="0">
+                <a:solidFill>
+                  <a:srgbClr val="0000FF"/>
+                </a:solidFill>
+                <a:ea typeface="+mn-ea"/>
+                <a:cs typeface="+mn-cs"/>
+              </a:rPr>
+              <a:t>Classes</a:t>
+            </a:r>
+            <a:r>
+              <a:rPr lang="en-US" dirty="0">
+                <a:ea typeface="+mn-ea"/>
+                <a:cs typeface="+mn-cs"/>
+              </a:rPr>
+              <a:t> allow programmer to define their own types</a:t>
+            </a:r>
+          </a:p>
+          <a:p>
+            <a:pPr lvl="1">
+              <a:buFont typeface="Wingdings" pitchFamily="2" charset="2"/>
+              <a:buChar char="q"/>
+              <a:defRPr/>
+            </a:pPr>
+            <a:r>
+              <a:rPr lang="en-US" dirty="0">
+                <a:solidFill>
+                  <a:srgbClr val="0000FF"/>
+                </a:solidFill>
+              </a:rPr>
+              <a:t>Objects</a:t>
+            </a:r>
+            <a:r>
+              <a:rPr lang="en-US" dirty="0"/>
+              <a:t>: instances of a class</a:t>
+            </a:r>
+          </a:p>
+          <a:p>
+            <a:pPr>
+              <a:buFont typeface="Wingdings" pitchFamily="2" charset="2"/>
+              <a:buChar char="n"/>
+              <a:defRPr/>
+            </a:pPr>
+            <a:r>
+              <a:rPr lang="en-US" dirty="0">
+                <a:ea typeface="+mn-ea"/>
+                <a:cs typeface="+mn-cs"/>
+              </a:rPr>
+              <a:t>Each class typically contains</a:t>
+            </a:r>
+          </a:p>
+          <a:p>
+            <a:pPr lvl="1">
+              <a:buFont typeface="Wingdings" pitchFamily="2" charset="2"/>
+              <a:buChar char="q"/>
+              <a:defRPr/>
+            </a:pPr>
+            <a:r>
+              <a:rPr lang="en-US" dirty="0">
+                <a:solidFill>
+                  <a:srgbClr val="0000FF"/>
+                </a:solidFill>
+              </a:rPr>
+              <a:t>Data members</a:t>
+            </a:r>
+            <a:r>
+              <a:rPr lang="en-US" dirty="0"/>
+              <a:t>: attributes for each object</a:t>
+            </a:r>
+          </a:p>
+          <a:p>
+            <a:pPr lvl="2">
+              <a:buFont typeface="Wingdings" pitchFamily="2" charset="2"/>
+              <a:buChar char="n"/>
+              <a:defRPr/>
+            </a:pPr>
+            <a:r>
+              <a:rPr lang="en-US" dirty="0"/>
+              <a:t>Each object has own copy of data members</a:t>
+            </a:r>
+          </a:p>
+          <a:p>
+            <a:pPr lvl="1">
+              <a:buFont typeface="Wingdings" pitchFamily="2" charset="2"/>
+              <a:buChar char="q"/>
+              <a:defRPr/>
+            </a:pPr>
+            <a:r>
+              <a:rPr lang="en-US" dirty="0">
+                <a:solidFill>
+                  <a:srgbClr val="0000FF"/>
+                </a:solidFill>
+              </a:rPr>
+              <a:t>Member functions</a:t>
+            </a:r>
+            <a:r>
+              <a:rPr lang="en-US" dirty="0"/>
+              <a:t>: Tasks specific to class</a:t>
+            </a:r>
+          </a:p>
+          <a:p>
+            <a:pPr>
+              <a:buFont typeface="Wingdings" pitchFamily="2" charset="2"/>
+              <a:buChar char="n"/>
+              <a:defRPr/>
+            </a:pPr>
+            <a:r>
+              <a:rPr lang="en-US" dirty="0">
+                <a:ea typeface="+mn-ea"/>
+                <a:cs typeface="+mn-cs"/>
+              </a:rPr>
+              <a:t>Data/functions can be </a:t>
+            </a:r>
+            <a:r>
+              <a:rPr lang="en-US" dirty="0">
+                <a:solidFill>
+                  <a:srgbClr val="0000FF"/>
+                </a:solidFill>
+                <a:ea typeface="+mn-ea"/>
+                <a:cs typeface="+mn-cs"/>
+              </a:rPr>
+              <a:t>public</a:t>
+            </a:r>
+            <a:r>
+              <a:rPr lang="en-US" dirty="0">
+                <a:ea typeface="+mn-ea"/>
+                <a:cs typeface="+mn-cs"/>
+              </a:rPr>
+              <a:t> or </a:t>
+            </a:r>
+            <a:r>
+              <a:rPr lang="en-US" dirty="0">
+                <a:solidFill>
+                  <a:srgbClr val="0000FF"/>
+                </a:solidFill>
+                <a:ea typeface="+mn-ea"/>
+                <a:cs typeface="+mn-cs"/>
+              </a:rPr>
+              <a:t>private</a:t>
+            </a:r>
+          </a:p>
+          <a:p>
+            <a:pPr lvl="1">
+              <a:buFont typeface="Wingdings" pitchFamily="2" charset="2"/>
+              <a:buChar char="q"/>
+              <a:defRPr/>
+            </a:pPr>
+            <a:r>
+              <a:rPr lang="en-US" dirty="0"/>
+              <a:t>Private members only accessible within member functions</a:t>
+            </a:r>
+          </a:p>
+          <a:p>
+            <a:pPr lvl="2">
+              <a:buFont typeface="Wingdings" pitchFamily="2" charset="2"/>
+              <a:buChar char="q"/>
+              <a:defRPr/>
+            </a:pPr>
+            <a:r>
+              <a:rPr lang="en-US" dirty="0"/>
+              <a:t>Often accessed through “set”, “get” functions</a:t>
+            </a:r>
+          </a:p>
+          <a:p>
+            <a:pPr lvl="1">
+              <a:buFont typeface="Wingdings" pitchFamily="2" charset="2"/>
+              <a:buChar char="q"/>
+              <a:defRPr/>
+            </a:pPr>
+            <a:r>
+              <a:rPr lang="en-US" dirty="0"/>
+              <a:t>Private functions also known as </a:t>
+            </a:r>
+            <a:r>
+              <a:rPr lang="en-US" dirty="0">
+                <a:solidFill>
+                  <a:srgbClr val="0000FF"/>
+                </a:solidFill>
+              </a:rPr>
+              <a:t>helper functions</a:t>
+            </a:r>
+          </a:p>
+        </p:txBody>
+      </p:sp>
+      <p:sp>
+        <p:nvSpPr>
+          <p:cNvPr id="32771" name="Date Placeholder 3"/>
+          <p:cNvSpPr>
+            <a:spLocks noGrp="1"/>
+          </p:cNvSpPr>
+          <p:nvPr>
+            <p:ph type="dt" sz="quarter" idx="10"/>
+          </p:nvPr>
+        </p:nvSpPr>
+        <p:spPr>
+          <a:noFill/>
+          <a:ln/>
+          <a:extLst>
+            <a:ext uri="{909E8E84-426E-40DD-AFC4-6F175D3DCCD1}">
+              <a14:hiddenFill xmlns:a14="http://schemas.microsoft.com/office/drawing/2010/main">
+                <a:solidFill>
+                  <a:srgbClr val="FFFFFF"/>
+                </a:solidFill>
+              </a14:hiddenFill>
+            </a:ext>
+            <a:ext uri="{91240B29-F687-4F45-9708-019B960494DF}">
+              <a14:hiddenLine xmlns:a14="http://schemas.microsoft.com/office/drawing/2010/main" w="9525">
+                <a:solidFill>
+                  <a:srgbClr val="000000"/>
+                </a:solidFill>
+                <a:miter lim="800000"/>
+                <a:headEnd/>
+                <a:tailEnd/>
+              </a14:hiddenLine>
+            </a:ext>
+          </a:extLst>
+        </p:spPr>
+        <p:txBody>
+          <a:bodyPr/>
+          <a:lstStyle>
+            <a:lvl1pPr eaLnBrk="0" hangingPunct="0">
+              <a:defRPr sz="2400">
+                <a:solidFill>
+                  <a:schemeClr val="tx1"/>
+                </a:solidFill>
+                <a:latin typeface="Arial" charset="0"/>
+                <a:ea typeface="ＭＳ Ｐゴシック" charset="0"/>
+                <a:cs typeface="ＭＳ Ｐゴシック" charset="0"/>
+              </a:defRPr>
+            </a:lvl1pPr>
+            <a:lvl2pPr marL="742950" indent="-285750" eaLnBrk="0" hangingPunct="0">
+              <a:defRPr sz="2400">
+                <a:solidFill>
+                  <a:schemeClr val="tx1"/>
+                </a:solidFill>
+                <a:latin typeface="Arial" charset="0"/>
+                <a:ea typeface="ＭＳ Ｐゴシック" charset="0"/>
+              </a:defRPr>
+            </a:lvl2pPr>
+            <a:lvl3pPr marL="1143000" indent="-228600" eaLnBrk="0" hangingPunct="0">
+              <a:defRPr sz="2400">
+                <a:solidFill>
+                  <a:schemeClr val="tx1"/>
+                </a:solidFill>
+                <a:latin typeface="Arial" charset="0"/>
+                <a:ea typeface="ＭＳ Ｐゴシック" charset="0"/>
+              </a:defRPr>
+            </a:lvl3pPr>
+            <a:lvl4pPr marL="1600200" indent="-228600" eaLnBrk="0" hangingPunct="0">
+              <a:defRPr sz="2400">
+                <a:solidFill>
+                  <a:schemeClr val="tx1"/>
+                </a:solidFill>
+                <a:latin typeface="Arial" charset="0"/>
+                <a:ea typeface="ＭＳ Ｐゴシック" charset="0"/>
+              </a:defRPr>
+            </a:lvl4pPr>
+            <a:lvl5pPr marL="2057400" indent="-228600" eaLnBrk="0" hangingPunct="0">
+              <a:defRPr sz="2400">
+                <a:solidFill>
+                  <a:schemeClr val="tx1"/>
+                </a:solidFill>
+                <a:latin typeface="Arial" charset="0"/>
+                <a:ea typeface="ＭＳ Ｐゴシック" charset="0"/>
+              </a:defRPr>
+            </a:lvl5pPr>
+            <a:lvl6pPr marL="2514600" indent="-228600" eaLnBrk="0" fontAlgn="base" hangingPunct="0">
+              <a:spcBef>
+                <a:spcPct val="0"/>
+              </a:spcBef>
+              <a:spcAft>
+                <a:spcPct val="0"/>
+              </a:spcAft>
+              <a:defRPr sz="2400">
+                <a:solidFill>
+                  <a:schemeClr val="tx1"/>
+                </a:solidFill>
+                <a:latin typeface="Arial" charset="0"/>
+                <a:ea typeface="ＭＳ Ｐゴシック" charset="0"/>
+              </a:defRPr>
+            </a:lvl6pPr>
+            <a:lvl7pPr marL="2971800" indent="-228600" eaLnBrk="0" fontAlgn="base" hangingPunct="0">
+              <a:spcBef>
+                <a:spcPct val="0"/>
+              </a:spcBef>
+              <a:spcAft>
+                <a:spcPct val="0"/>
+              </a:spcAft>
+              <a:defRPr sz="2400">
+                <a:solidFill>
+                  <a:schemeClr val="tx1"/>
+                </a:solidFill>
+                <a:latin typeface="Arial" charset="0"/>
+                <a:ea typeface="ＭＳ Ｐゴシック" charset="0"/>
+              </a:defRPr>
+            </a:lvl7pPr>
+            <a:lvl8pPr marL="3429000" indent="-228600" eaLnBrk="0" fontAlgn="base" hangingPunct="0">
+              <a:spcBef>
+                <a:spcPct val="0"/>
+              </a:spcBef>
+              <a:spcAft>
+                <a:spcPct val="0"/>
+              </a:spcAft>
+              <a:defRPr sz="2400">
+                <a:solidFill>
+                  <a:schemeClr val="tx1"/>
+                </a:solidFill>
+                <a:latin typeface="Arial" charset="0"/>
+                <a:ea typeface="ＭＳ Ｐゴシック" charset="0"/>
+              </a:defRPr>
+            </a:lvl8pPr>
+            <a:lvl9pPr marL="3886200" indent="-228600" eaLnBrk="0" fontAlgn="base" hangingPunct="0">
+              <a:spcBef>
+                <a:spcPct val="0"/>
+              </a:spcBef>
+              <a:spcAft>
+                <a:spcPct val="0"/>
+              </a:spcAft>
+              <a:defRPr sz="2400">
+                <a:solidFill>
+                  <a:schemeClr val="tx1"/>
+                </a:solidFill>
+                <a:latin typeface="Arial" charset="0"/>
+                <a:ea typeface="ＭＳ Ｐゴシック" charset="0"/>
+              </a:defRPr>
+            </a:lvl9pPr>
+          </a:lstStyle>
+          <a:p>
+            <a:pPr eaLnBrk="1" hangingPunct="1"/>
+            <a:fld id="{DA139D30-AEEF-4666-B9E6-A1BD90303E2B}" type="datetime1">
+              <a:rPr lang="en-US" sz="1200" smtClean="0">
+                <a:latin typeface="Garamond" charset="0"/>
+              </a:rPr>
+              <a:t>2/23/2019</a:t>
+            </a:fld>
+            <a:endParaRPr lang="en-US" sz="1200">
+              <a:latin typeface="Garamond" charset="0"/>
+            </a:endParaRPr>
+          </a:p>
+        </p:txBody>
+      </p:sp>
+      <p:sp>
+        <p:nvSpPr>
+          <p:cNvPr id="9221" name="Footer Placeholder 4"/>
           <p:cNvSpPr>
             <a:spLocks noGrp="1"/>
           </p:cNvSpPr>
@@ -8336,6 +8899,9 @@
           <a:bodyPr/>
           <a:lstStyle/>
           <a:p>
+            <a:pPr>
+              <a:defRPr/>
+            </a:pPr>
             <a:r>
               <a:rPr lang="en-US"/>
               <a:t>Data Structures: Exam 1 Preview</a:t>
@@ -8345,7 +8911,7 @@
       </p:sp>
       <p:sp>
         <p:nvSpPr>
-          <p:cNvPr id="5" name="Slide Number Placeholder 5"/>
+          <p:cNvPr id="32773" name="Slide Number Placeholder 5"/>
           <p:cNvSpPr>
             <a:spLocks noGrp="1"/>
           </p:cNvSpPr>
@@ -8353,338 +8919,165 @@
             <p:ph type="sldNum" sz="quarter" idx="12"/>
           </p:nvPr>
         </p:nvSpPr>
-        <p:spPr/>
+        <p:spPr>
+          <a:noFill/>
+          <a:ln/>
+          <a:extLst>
+            <a:ext uri="{909E8E84-426E-40DD-AFC4-6F175D3DCCD1}">
+              <a14:hiddenFill xmlns:a14="http://schemas.microsoft.com/office/drawing/2010/main">
+                <a:solidFill>
+                  <a:srgbClr val="FFFFFF"/>
+                </a:solidFill>
+              </a14:hiddenFill>
+            </a:ext>
+            <a:ext uri="{91240B29-F687-4F45-9708-019B960494DF}">
+              <a14:hiddenLine xmlns:a14="http://schemas.microsoft.com/office/drawing/2010/main" w="9525">
+                <a:solidFill>
+                  <a:srgbClr val="000000"/>
+                </a:solidFill>
+                <a:miter lim="800000"/>
+                <a:headEnd/>
+                <a:tailEnd/>
+              </a14:hiddenLine>
+            </a:ext>
+          </a:extLst>
+        </p:spPr>
         <p:txBody>
           <a:bodyPr/>
-          <a:lstStyle/>
-          <a:p>
-            <a:fld id="{33888B72-EE01-3F45-B232-FAD2FDEBB57F}" type="slidenum">
-              <a:rPr lang="en-US"/>
-              <a:pPr/>
+          <a:lstStyle>
+            <a:lvl1pPr eaLnBrk="0" hangingPunct="0">
+              <a:defRPr sz="2400">
+                <a:solidFill>
+                  <a:schemeClr val="tx1"/>
+                </a:solidFill>
+                <a:latin typeface="Arial" charset="0"/>
+                <a:ea typeface="ＭＳ Ｐゴシック" charset="0"/>
+                <a:cs typeface="ＭＳ Ｐゴシック" charset="0"/>
+              </a:defRPr>
+            </a:lvl1pPr>
+            <a:lvl2pPr marL="742950" indent="-285750" eaLnBrk="0" hangingPunct="0">
+              <a:defRPr sz="2400">
+                <a:solidFill>
+                  <a:schemeClr val="tx1"/>
+                </a:solidFill>
+                <a:latin typeface="Arial" charset="0"/>
+                <a:ea typeface="ＭＳ Ｐゴシック" charset="0"/>
+              </a:defRPr>
+            </a:lvl2pPr>
+            <a:lvl3pPr marL="1143000" indent="-228600" eaLnBrk="0" hangingPunct="0">
+              <a:defRPr sz="2400">
+                <a:solidFill>
+                  <a:schemeClr val="tx1"/>
+                </a:solidFill>
+                <a:latin typeface="Arial" charset="0"/>
+                <a:ea typeface="ＭＳ Ｐゴシック" charset="0"/>
+              </a:defRPr>
+            </a:lvl3pPr>
+            <a:lvl4pPr marL="1600200" indent="-228600" eaLnBrk="0" hangingPunct="0">
+              <a:defRPr sz="2400">
+                <a:solidFill>
+                  <a:schemeClr val="tx1"/>
+                </a:solidFill>
+                <a:latin typeface="Arial" charset="0"/>
+                <a:ea typeface="ＭＳ Ｐゴシック" charset="0"/>
+              </a:defRPr>
+            </a:lvl4pPr>
+            <a:lvl5pPr marL="2057400" indent="-228600" eaLnBrk="0" hangingPunct="0">
+              <a:defRPr sz="2400">
+                <a:solidFill>
+                  <a:schemeClr val="tx1"/>
+                </a:solidFill>
+                <a:latin typeface="Arial" charset="0"/>
+                <a:ea typeface="ＭＳ Ｐゴシック" charset="0"/>
+              </a:defRPr>
+            </a:lvl5pPr>
+            <a:lvl6pPr marL="2514600" indent="-228600" eaLnBrk="0" fontAlgn="base" hangingPunct="0">
+              <a:spcBef>
+                <a:spcPct val="0"/>
+              </a:spcBef>
+              <a:spcAft>
+                <a:spcPct val="0"/>
+              </a:spcAft>
+              <a:defRPr sz="2400">
+                <a:solidFill>
+                  <a:schemeClr val="tx1"/>
+                </a:solidFill>
+                <a:latin typeface="Arial" charset="0"/>
+                <a:ea typeface="ＭＳ Ｐゴシック" charset="0"/>
+              </a:defRPr>
+            </a:lvl6pPr>
+            <a:lvl7pPr marL="2971800" indent="-228600" eaLnBrk="0" fontAlgn="base" hangingPunct="0">
+              <a:spcBef>
+                <a:spcPct val="0"/>
+              </a:spcBef>
+              <a:spcAft>
+                <a:spcPct val="0"/>
+              </a:spcAft>
+              <a:defRPr sz="2400">
+                <a:solidFill>
+                  <a:schemeClr val="tx1"/>
+                </a:solidFill>
+                <a:latin typeface="Arial" charset="0"/>
+                <a:ea typeface="ＭＳ Ｐゴシック" charset="0"/>
+              </a:defRPr>
+            </a:lvl7pPr>
+            <a:lvl8pPr marL="3429000" indent="-228600" eaLnBrk="0" fontAlgn="base" hangingPunct="0">
+              <a:spcBef>
+                <a:spcPct val="0"/>
+              </a:spcBef>
+              <a:spcAft>
+                <a:spcPct val="0"/>
+              </a:spcAft>
+              <a:defRPr sz="2400">
+                <a:solidFill>
+                  <a:schemeClr val="tx1"/>
+                </a:solidFill>
+                <a:latin typeface="Arial" charset="0"/>
+                <a:ea typeface="ＭＳ Ｐゴシック" charset="0"/>
+              </a:defRPr>
+            </a:lvl8pPr>
+            <a:lvl9pPr marL="3886200" indent="-228600" eaLnBrk="0" fontAlgn="base" hangingPunct="0">
+              <a:spcBef>
+                <a:spcPct val="0"/>
+              </a:spcBef>
+              <a:spcAft>
+                <a:spcPct val="0"/>
+              </a:spcAft>
+              <a:defRPr sz="2400">
+                <a:solidFill>
+                  <a:schemeClr val="tx1"/>
+                </a:solidFill>
+                <a:latin typeface="Arial" charset="0"/>
+                <a:ea typeface="ＭＳ Ｐゴシック" charset="0"/>
+              </a:defRPr>
+            </a:lvl9pPr>
+          </a:lstStyle>
+          <a:p>
+            <a:pPr eaLnBrk="1" hangingPunct="1"/>
+            <a:fld id="{07971867-87BA-C349-9EDD-2188B95142AB}" type="slidenum">
+              <a:rPr lang="en-US" sz="1200">
+                <a:latin typeface="Garamond" charset="0"/>
+              </a:rPr>
+              <a:pPr eaLnBrk="1" hangingPunct="1"/>
               <a:t>15</a:t>
             </a:fld>
-            <a:endParaRPr lang="en-US"/>
-          </a:p>
-        </p:txBody>
-      </p:sp>
-      <p:sp>
-        <p:nvSpPr>
-          <p:cNvPr id="84994" name="Rectangle 2"/>
-          <p:cNvSpPr>
-            <a:spLocks noGrp="1" noChangeArrowheads="1"/>
-          </p:cNvSpPr>
-          <p:nvPr>
-            <p:ph type="title"/>
-          </p:nvPr>
-        </p:nvSpPr>
-        <p:spPr/>
-        <p:txBody>
-          <a:bodyPr/>
-          <a:lstStyle/>
-          <a:p>
-            <a:r>
-              <a:rPr lang="en-US" dirty="0"/>
-              <a:t>Review: Class Declaration</a:t>
-            </a:r>
-          </a:p>
-        </p:txBody>
-      </p:sp>
-      <p:sp>
-        <p:nvSpPr>
-          <p:cNvPr id="84995" name="Rectangle 3"/>
-          <p:cNvSpPr>
-            <a:spLocks noGrp="1" noChangeArrowheads="1"/>
-          </p:cNvSpPr>
-          <p:nvPr>
-            <p:ph type="body" idx="1"/>
-          </p:nvPr>
-        </p:nvSpPr>
-        <p:spPr/>
-        <p:txBody>
-          <a:bodyPr>
-            <a:normAutofit fontScale="92500" lnSpcReduction="20000"/>
-          </a:bodyPr>
-          <a:lstStyle/>
-          <a:p>
-            <a:r>
-              <a:rPr lang="en-US" dirty="0"/>
-              <a:t>Basic syntax</a:t>
-            </a:r>
-            <a:br>
-              <a:rPr lang="en-US" dirty="0"/>
-            </a:br>
-            <a:br>
-              <a:rPr lang="en-US" dirty="0"/>
-            </a:br>
-            <a:r>
-              <a:rPr lang="en-US" sz="2400" b="1" dirty="0">
-                <a:solidFill>
-                  <a:srgbClr val="3366FF"/>
-                </a:solidFill>
-                <a:latin typeface="Courier New" charset="0"/>
-              </a:rPr>
-              <a:t>class </a:t>
-            </a:r>
-            <a:r>
-              <a:rPr lang="en-US" sz="2400" b="1" dirty="0" err="1">
-                <a:solidFill>
-                  <a:srgbClr val="3366FF"/>
-                </a:solidFill>
-                <a:latin typeface="Courier New" charset="0"/>
-              </a:rPr>
-              <a:t>ClassName</a:t>
-            </a:r>
-            <a:br>
-              <a:rPr lang="en-US" sz="2400" b="1" dirty="0">
-                <a:solidFill>
-                  <a:srgbClr val="3366FF"/>
-                </a:solidFill>
-                <a:latin typeface="Courier New" charset="0"/>
-              </a:rPr>
-            </a:br>
-            <a:r>
-              <a:rPr lang="en-US" sz="2400" b="1" dirty="0">
-                <a:solidFill>
-                  <a:srgbClr val="3366FF"/>
-                </a:solidFill>
-                <a:latin typeface="Courier New" charset="0"/>
-              </a:rPr>
-              <a:t>{</a:t>
-            </a:r>
-            <a:br>
-              <a:rPr lang="en-US" sz="2400" b="1" dirty="0">
-                <a:solidFill>
-                  <a:srgbClr val="3366FF"/>
-                </a:solidFill>
-                <a:latin typeface="Courier New" charset="0"/>
-              </a:rPr>
-            </a:br>
-            <a:r>
-              <a:rPr lang="en-US" sz="2400" b="1" dirty="0">
-                <a:solidFill>
-                  <a:srgbClr val="3366FF"/>
-                </a:solidFill>
-                <a:latin typeface="Courier New" charset="0"/>
-              </a:rPr>
-              <a:t>	public:</a:t>
-            </a:r>
-            <a:br>
-              <a:rPr lang="en-US" sz="2400" b="1" dirty="0">
-                <a:solidFill>
-                  <a:srgbClr val="3366FF"/>
-                </a:solidFill>
-                <a:latin typeface="Courier New" charset="0"/>
-              </a:rPr>
-            </a:br>
-            <a:r>
-              <a:rPr lang="en-US" sz="2400" b="1" dirty="0">
-                <a:solidFill>
-                  <a:srgbClr val="3366FF"/>
-                </a:solidFill>
-                <a:latin typeface="Courier New" charset="0"/>
-              </a:rPr>
-              <a:t>	   </a:t>
-            </a:r>
-            <a:r>
-              <a:rPr lang="en-US" sz="2400" b="1" i="1" dirty="0">
-                <a:solidFill>
-                  <a:srgbClr val="3366FF"/>
-                </a:solidFill>
-                <a:latin typeface="Courier New" charset="0"/>
-              </a:rPr>
-              <a:t>Declarations of public members</a:t>
-            </a:r>
-            <a:br>
-              <a:rPr lang="en-US" sz="2400" b="1" i="1" dirty="0">
-                <a:solidFill>
-                  <a:srgbClr val="3366FF"/>
-                </a:solidFill>
-                <a:latin typeface="Courier New" charset="0"/>
-              </a:rPr>
-            </a:br>
-            <a:r>
-              <a:rPr lang="en-US" sz="2400" b="1" dirty="0">
-                <a:solidFill>
-                  <a:srgbClr val="3366FF"/>
-                </a:solidFill>
-                <a:latin typeface="Courier New" charset="0"/>
-              </a:rPr>
-              <a:t>   private:</a:t>
-            </a:r>
-            <a:br>
-              <a:rPr lang="en-US" sz="2400" b="1" dirty="0">
-                <a:solidFill>
-                  <a:srgbClr val="3366FF"/>
-                </a:solidFill>
-                <a:latin typeface="Courier New" charset="0"/>
-              </a:rPr>
-            </a:br>
-            <a:r>
-              <a:rPr lang="en-US" sz="2400" b="1" dirty="0">
-                <a:solidFill>
-                  <a:srgbClr val="3366FF"/>
-                </a:solidFill>
-                <a:latin typeface="Courier New" charset="0"/>
-              </a:rPr>
-              <a:t>	   </a:t>
-            </a:r>
-            <a:r>
-              <a:rPr lang="en-US" sz="2400" b="1" i="1" dirty="0">
-                <a:solidFill>
-                  <a:srgbClr val="3366FF"/>
-                </a:solidFill>
-                <a:latin typeface="Courier New" charset="0"/>
-              </a:rPr>
-              <a:t>Declarations of private members</a:t>
-            </a:r>
-            <a:br>
-              <a:rPr lang="en-US" sz="2400" b="1" dirty="0">
-                <a:solidFill>
-                  <a:srgbClr val="3366FF"/>
-                </a:solidFill>
-                <a:latin typeface="Courier New" charset="0"/>
-              </a:rPr>
-            </a:br>
-            <a:r>
-              <a:rPr lang="en-US" sz="2400" b="1" dirty="0">
-                <a:solidFill>
-                  <a:srgbClr val="3366FF"/>
-                </a:solidFill>
-                <a:latin typeface="Courier New" charset="0"/>
-              </a:rPr>
-              <a:t>};</a:t>
-            </a:r>
-          </a:p>
-          <a:p>
-            <a:endParaRPr lang="en-US" sz="2400" b="1" dirty="0">
-              <a:solidFill>
-                <a:srgbClr val="3366FF"/>
-              </a:solidFill>
-              <a:latin typeface="Courier New" charset="0"/>
+            <a:endParaRPr lang="en-US" sz="1200">
+              <a:latin typeface="Garamond" charset="0"/>
             </a:endParaRPr>
-          </a:p>
-          <a:p>
-            <a:r>
-              <a:rPr lang="en-US" dirty="0">
-                <a:latin typeface="Arial"/>
-                <a:cs typeface="Arial"/>
-              </a:rPr>
-              <a:t>Class definition in .h file</a:t>
-            </a:r>
-          </a:p>
-          <a:p>
-            <a:r>
-              <a:rPr lang="en-US" dirty="0">
-                <a:latin typeface="Arial"/>
-                <a:cs typeface="Arial"/>
-              </a:rPr>
-              <a:t>Function definitions in .</a:t>
-            </a:r>
-            <a:r>
-              <a:rPr lang="en-US" dirty="0" err="1">
-                <a:latin typeface="Arial"/>
-                <a:cs typeface="Arial"/>
-              </a:rPr>
-              <a:t>cpp</a:t>
-            </a:r>
-            <a:r>
-              <a:rPr lang="en-US" dirty="0">
-                <a:latin typeface="Arial"/>
-                <a:cs typeface="Arial"/>
-              </a:rPr>
-              <a:t> file</a:t>
-            </a:r>
-          </a:p>
-          <a:p>
-            <a:pPr lvl="1"/>
-            <a:r>
-              <a:rPr lang="en-US" dirty="0">
-                <a:latin typeface="Arial"/>
-                <a:cs typeface="Arial"/>
-              </a:rPr>
-              <a:t>Must specify class name with definition:</a:t>
-            </a:r>
-          </a:p>
-          <a:p>
-            <a:pPr marL="344487" lvl="1" indent="0">
-              <a:buNone/>
-            </a:pPr>
-            <a:r>
-              <a:rPr lang="en-US" b="1" dirty="0" err="1">
-                <a:solidFill>
-                  <a:srgbClr val="FF0000"/>
-                </a:solidFill>
-                <a:latin typeface="Courier New"/>
-                <a:cs typeface="Courier New"/>
-              </a:rPr>
-              <a:t>ClassName</a:t>
-            </a:r>
-            <a:r>
-              <a:rPr lang="en-US" b="1" dirty="0">
-                <a:solidFill>
-                  <a:srgbClr val="FF0000"/>
-                </a:solidFill>
-                <a:latin typeface="Courier New"/>
-                <a:cs typeface="Courier New"/>
-              </a:rPr>
-              <a:t>::</a:t>
-            </a:r>
-            <a:r>
-              <a:rPr lang="en-US" b="1" dirty="0" err="1">
-                <a:solidFill>
-                  <a:srgbClr val="FF0000"/>
-                </a:solidFill>
-                <a:latin typeface="Courier New"/>
-                <a:cs typeface="Courier New"/>
-              </a:rPr>
-              <a:t>FunctionName</a:t>
-            </a:r>
-            <a:r>
-              <a:rPr lang="en-US" b="1" dirty="0">
-                <a:solidFill>
-                  <a:srgbClr val="FF0000"/>
-                </a:solidFill>
-                <a:latin typeface="Courier New"/>
-                <a:cs typeface="Courier New"/>
-              </a:rPr>
-              <a:t>() { ... }</a:t>
-            </a:r>
-          </a:p>
-        </p:txBody>
-      </p:sp>
-      <p:sp>
-        <p:nvSpPr>
-          <p:cNvPr id="2" name="Date Placeholder 1"/>
-          <p:cNvSpPr>
-            <a:spLocks noGrp="1"/>
-          </p:cNvSpPr>
-          <p:nvPr>
-            <p:ph type="dt" sz="half" idx="10"/>
-          </p:nvPr>
-        </p:nvSpPr>
-        <p:spPr/>
-        <p:txBody>
-          <a:bodyPr/>
-          <a:lstStyle/>
-          <a:p>
-            <a:fld id="{791D9907-2216-46B2-A11E-059E1F27F36E}" type="datetime1">
-              <a:rPr lang="en-US" smtClean="0"/>
-              <a:t>2/22/2019</a:t>
-            </a:fld>
-            <a:endParaRPr lang="en-US"/>
           </a:p>
         </p:txBody>
       </p:sp>
     </p:spTree>
     <p:extLst>
       <p:ext uri="{BB962C8B-B14F-4D97-AF65-F5344CB8AC3E}">
-        <p14:creationId xmlns:p14="http://schemas.microsoft.com/office/powerpoint/2010/main" val="426401017"/>
+        <p14:creationId xmlns:p14="http://schemas.microsoft.com/office/powerpoint/2010/main" val="2197499934"/>
       </p:ext>
     </p:extLst>
   </p:cSld>
   <p:clrMapOvr>
     <a:masterClrMapping/>
   </p:clrMapOvr>
+  <p:transition/>
 </p:sld>
 </file>
 
@@ -8707,12 +9100,12 @@
       </p:grpSpPr>
       <p:sp>
         <p:nvSpPr>
-          <p:cNvPr id="37889" name="Title 1"/>
+          <p:cNvPr id="4" name="Footer Placeholder 4"/>
           <p:cNvSpPr>
             <a:spLocks noGrp="1"/>
           </p:cNvSpPr>
           <p:nvPr>
-            <p:ph type="title"/>
+            <p:ph type="ftr" sz="quarter" idx="11"/>
           </p:nvPr>
         </p:nvSpPr>
         <p:spPr/>
@@ -8721,311 +9114,329 @@
           <a:lstStyle/>
           <a:p>
             <a:r>
-              <a:rPr lang="en-US" dirty="0">
-                <a:latin typeface="Garamond" charset="0"/>
-              </a:rPr>
-              <a:t>Review: Constructors</a:t>
-            </a:r>
-          </a:p>
-        </p:txBody>
-      </p:sp>
-      <p:sp>
-        <p:nvSpPr>
-          <p:cNvPr id="37890" name="Content Placeholder 2"/>
+              <a:rPr lang="en-US"/>
+              <a:t>Data Structures: Exam 1 Preview</a:t>
+            </a:r>
+          </a:p>
+        </p:txBody>
+      </p:sp>
+      <p:sp>
+        <p:nvSpPr>
+          <p:cNvPr id="5" name="Slide Number Placeholder 5"/>
           <p:cNvSpPr>
             <a:spLocks noGrp="1"/>
           </p:cNvSpPr>
           <p:nvPr>
-            <p:ph idx="1"/>
+            <p:ph type="sldNum" sz="quarter" idx="12"/>
           </p:nvPr>
         </p:nvSpPr>
         <p:spPr/>
         <p:txBody>
+          <a:bodyPr/>
+          <a:lstStyle/>
+          <a:p>
+            <a:fld id="{33888B72-EE01-3F45-B232-FAD2FDEBB57F}" type="slidenum">
+              <a:rPr lang="en-US"/>
+              <a:pPr/>
+              <a:t>16</a:t>
+            </a:fld>
+            <a:endParaRPr lang="en-US"/>
+          </a:p>
+        </p:txBody>
+      </p:sp>
+      <p:sp>
+        <p:nvSpPr>
+          <p:cNvPr id="84994" name="Rectangle 2"/>
+          <p:cNvSpPr>
+            <a:spLocks noGrp="1" noChangeArrowheads="1"/>
+          </p:cNvSpPr>
+          <p:nvPr>
+            <p:ph type="title"/>
+          </p:nvPr>
+        </p:nvSpPr>
+        <p:spPr/>
+        <p:txBody>
+          <a:bodyPr/>
+          <a:lstStyle/>
+          <a:p>
+            <a:r>
+              <a:rPr lang="en-US" dirty="0"/>
+              <a:t>Review: Class Declaration</a:t>
+            </a:r>
+          </a:p>
+        </p:txBody>
+      </p:sp>
+      <p:sp>
+        <p:nvSpPr>
+          <p:cNvPr id="84995" name="Rectangle 3"/>
+          <p:cNvSpPr>
+            <a:spLocks noGrp="1" noChangeArrowheads="1"/>
+          </p:cNvSpPr>
+          <p:nvPr>
+            <p:ph type="body" idx="1"/>
+          </p:nvPr>
+        </p:nvSpPr>
+        <p:spPr/>
+        <p:txBody>
           <a:bodyPr>
-            <a:normAutofit fontScale="92500"/>
+            <a:normAutofit fontScale="92500" lnSpcReduction="20000"/>
           </a:bodyPr>
           <a:lstStyle/>
           <a:p>
-            <a:pPr eaLnBrk="1" hangingPunct="1"/>
+            <a:r>
+              <a:rPr lang="en-US" dirty="0"/>
+              <a:t>Basic syntax</a:t>
+            </a:r>
+            <a:br>
+              <a:rPr lang="en-US" dirty="0"/>
+            </a:br>
+            <a:br>
+              <a:rPr lang="en-US" dirty="0"/>
+            </a:br>
+            <a:r>
+              <a:rPr lang="en-US" sz="2400" b="1" dirty="0">
+                <a:solidFill>
+                  <a:srgbClr val="3366FF"/>
+                </a:solidFill>
+                <a:latin typeface="Courier New" charset="0"/>
+              </a:rPr>
+              <a:t>class </a:t>
+            </a:r>
+            <a:r>
+              <a:rPr lang="en-US" sz="2400" b="1" dirty="0" err="1">
+                <a:solidFill>
+                  <a:srgbClr val="3366FF"/>
+                </a:solidFill>
+                <a:latin typeface="Courier New" charset="0"/>
+              </a:rPr>
+              <a:t>ClassName</a:t>
+            </a:r>
+            <a:br>
+              <a:rPr lang="en-US" sz="2400" b="1" dirty="0">
+                <a:solidFill>
+                  <a:srgbClr val="3366FF"/>
+                </a:solidFill>
+                <a:latin typeface="Courier New" charset="0"/>
+              </a:rPr>
+            </a:br>
+            <a:r>
+              <a:rPr lang="en-US" sz="2400" b="1" dirty="0">
+                <a:solidFill>
+                  <a:srgbClr val="3366FF"/>
+                </a:solidFill>
+                <a:latin typeface="Courier New" charset="0"/>
+              </a:rPr>
+              <a:t>{</a:t>
+            </a:r>
+            <a:br>
+              <a:rPr lang="en-US" sz="2400" b="1" dirty="0">
+                <a:solidFill>
+                  <a:srgbClr val="3366FF"/>
+                </a:solidFill>
+                <a:latin typeface="Courier New" charset="0"/>
+              </a:rPr>
+            </a:br>
+            <a:r>
+              <a:rPr lang="en-US" sz="2400" b="1" dirty="0">
+                <a:solidFill>
+                  <a:srgbClr val="3366FF"/>
+                </a:solidFill>
+                <a:latin typeface="Courier New" charset="0"/>
+              </a:rPr>
+              <a:t>	public:</a:t>
+            </a:r>
+            <a:br>
+              <a:rPr lang="en-US" sz="2400" b="1" dirty="0">
+                <a:solidFill>
+                  <a:srgbClr val="3366FF"/>
+                </a:solidFill>
+                <a:latin typeface="Courier New" charset="0"/>
+              </a:rPr>
+            </a:br>
+            <a:r>
+              <a:rPr lang="en-US" sz="2400" b="1" dirty="0">
+                <a:solidFill>
+                  <a:srgbClr val="3366FF"/>
+                </a:solidFill>
+                <a:latin typeface="Courier New" charset="0"/>
+              </a:rPr>
+              <a:t>	   </a:t>
+            </a:r>
+            <a:r>
+              <a:rPr lang="en-US" sz="2400" b="1" i="1" dirty="0">
+                <a:solidFill>
+                  <a:srgbClr val="3366FF"/>
+                </a:solidFill>
+                <a:latin typeface="Courier New" charset="0"/>
+              </a:rPr>
+              <a:t>Declarations of public members</a:t>
+            </a:r>
+            <a:br>
+              <a:rPr lang="en-US" sz="2400" b="1" i="1" dirty="0">
+                <a:solidFill>
+                  <a:srgbClr val="3366FF"/>
+                </a:solidFill>
+                <a:latin typeface="Courier New" charset="0"/>
+              </a:rPr>
+            </a:br>
+            <a:r>
+              <a:rPr lang="en-US" sz="2400" b="1" dirty="0">
+                <a:solidFill>
+                  <a:srgbClr val="3366FF"/>
+                </a:solidFill>
+                <a:latin typeface="Courier New" charset="0"/>
+              </a:rPr>
+              <a:t>   private:</a:t>
+            </a:r>
+            <a:br>
+              <a:rPr lang="en-US" sz="2400" b="1" dirty="0">
+                <a:solidFill>
+                  <a:srgbClr val="3366FF"/>
+                </a:solidFill>
+                <a:latin typeface="Courier New" charset="0"/>
+              </a:rPr>
+            </a:br>
+            <a:r>
+              <a:rPr lang="en-US" sz="2400" b="1" dirty="0">
+                <a:solidFill>
+                  <a:srgbClr val="3366FF"/>
+                </a:solidFill>
+                <a:latin typeface="Courier New" charset="0"/>
+              </a:rPr>
+              <a:t>	   </a:t>
+            </a:r>
+            <a:r>
+              <a:rPr lang="en-US" sz="2400" b="1" i="1" dirty="0">
+                <a:solidFill>
+                  <a:srgbClr val="3366FF"/>
+                </a:solidFill>
+                <a:latin typeface="Courier New" charset="0"/>
+              </a:rPr>
+              <a:t>Declarations of private members</a:t>
+            </a:r>
+            <a:br>
+              <a:rPr lang="en-US" sz="2400" b="1" dirty="0">
+                <a:solidFill>
+                  <a:srgbClr val="3366FF"/>
+                </a:solidFill>
+                <a:latin typeface="Courier New" charset="0"/>
+              </a:rPr>
+            </a:br>
+            <a:r>
+              <a:rPr lang="en-US" sz="2400" b="1" dirty="0">
+                <a:solidFill>
+                  <a:srgbClr val="3366FF"/>
+                </a:solidFill>
+                <a:latin typeface="Courier New" charset="0"/>
+              </a:rPr>
+              <a:t>};</a:t>
+            </a:r>
+          </a:p>
+          <a:p>
+            <a:endParaRPr lang="en-US" sz="2400" b="1" dirty="0">
+              <a:solidFill>
+                <a:srgbClr val="3366FF"/>
+              </a:solidFill>
+              <a:latin typeface="Courier New" charset="0"/>
+            </a:endParaRPr>
+          </a:p>
+          <a:p>
             <a:r>
               <a:rPr lang="en-US" dirty="0">
-                <a:latin typeface="Arial" charset="0"/>
-              </a:rPr>
-              <a:t>Functions used to initialize an object’</a:t>
-            </a:r>
-            <a:r>
-              <a:rPr lang="en-US" altLang="ja-JP" dirty="0">
-                <a:latin typeface="Arial" charset="0"/>
-              </a:rPr>
-              <a:t>s data when it is created</a:t>
-            </a:r>
-          </a:p>
-          <a:p>
-            <a:pPr lvl="1" eaLnBrk="1" hangingPunct="1"/>
+                <a:latin typeface="Arial"/>
+                <a:cs typeface="Arial"/>
+              </a:rPr>
+              <a:t>Class definition in .h file</a:t>
+            </a:r>
+          </a:p>
+          <a:p>
             <a:r>
               <a:rPr lang="en-US" dirty="0">
-                <a:latin typeface="Arial" charset="0"/>
-              </a:rPr>
-              <a:t>Must be defined with the same name as the class:</a:t>
-            </a:r>
-          </a:p>
-          <a:p>
-            <a:pPr marL="344487" lvl="1" indent="0" eaLnBrk="1" hangingPunct="1">
+                <a:latin typeface="Arial"/>
+                <a:cs typeface="Arial"/>
+              </a:rPr>
+              <a:t>Function definitions in .</a:t>
+            </a:r>
+            <a:r>
+              <a:rPr lang="en-US" dirty="0" err="1">
+                <a:latin typeface="Arial"/>
+                <a:cs typeface="Arial"/>
+              </a:rPr>
+              <a:t>cpp</a:t>
+            </a:r>
+            <a:r>
+              <a:rPr lang="en-US" dirty="0">
+                <a:latin typeface="Arial"/>
+                <a:cs typeface="Arial"/>
+              </a:rPr>
+              <a:t> file</a:t>
+            </a:r>
+          </a:p>
+          <a:p>
+            <a:pPr lvl="1"/>
+            <a:r>
+              <a:rPr lang="en-US" dirty="0">
+                <a:latin typeface="Arial"/>
+                <a:cs typeface="Arial"/>
+              </a:rPr>
+              <a:t>Must specify class name with definition:</a:t>
+            </a:r>
+          </a:p>
+          <a:p>
+            <a:pPr marL="344487" lvl="1" indent="0">
               <a:buNone/>
             </a:pPr>
             <a:r>
-              <a:rPr lang="en-US" dirty="0">
-                <a:latin typeface="Arial" charset="0"/>
-              </a:rPr>
-              <a:t>	e.g. </a:t>
-            </a:r>
-            <a:r>
               <a:rPr lang="en-US" b="1" dirty="0" err="1">
-                <a:latin typeface="Courier New" charset="0"/>
-                <a:cs typeface="Courier New" charset="0"/>
-              </a:rPr>
-              <a:t>GradeBook</a:t>
+                <a:solidFill>
+                  <a:srgbClr val="FF0000"/>
+                </a:solidFill>
+                <a:latin typeface="Courier New"/>
+                <a:cs typeface="Courier New"/>
+              </a:rPr>
+              <a:t>ClassName</a:t>
             </a:r>
             <a:r>
               <a:rPr lang="en-US" b="1" dirty="0">
-                <a:latin typeface="Courier New" charset="0"/>
-                <a:cs typeface="Courier New" charset="0"/>
+                <a:solidFill>
+                  <a:srgbClr val="FF0000"/>
+                </a:solidFill>
+                <a:latin typeface="Courier New"/>
+                <a:cs typeface="Courier New"/>
               </a:rPr>
               <a:t>::</a:t>
             </a:r>
             <a:r>
               <a:rPr lang="en-US" b="1" dirty="0" err="1">
-                <a:latin typeface="Courier New" charset="0"/>
-                <a:cs typeface="Courier New" charset="0"/>
-              </a:rPr>
-              <a:t>GradeBook</a:t>
+                <a:solidFill>
+                  <a:srgbClr val="FF0000"/>
+                </a:solidFill>
+                <a:latin typeface="Courier New"/>
+                <a:cs typeface="Courier New"/>
+              </a:rPr>
+              <a:t>FunctionName</a:t>
             </a:r>
             <a:r>
               <a:rPr lang="en-US" b="1" dirty="0">
-                <a:latin typeface="Courier New" charset="0"/>
-                <a:cs typeface="Courier New" charset="0"/>
-              </a:rPr>
-              <a:t>() </a:t>
-            </a:r>
-            <a:endParaRPr lang="en-US" dirty="0">
-              <a:latin typeface="Arial" charset="0"/>
-            </a:endParaRPr>
-          </a:p>
-          <a:p>
-            <a:pPr lvl="1" eaLnBrk="1" hangingPunct="1"/>
-            <a:r>
-              <a:rPr lang="en-US" dirty="0">
-                <a:latin typeface="Arial" charset="0"/>
-              </a:rPr>
-              <a:t>No return type</a:t>
-            </a:r>
-            <a:endParaRPr lang="en-US" dirty="0">
-              <a:latin typeface="Lucida Console" charset="0"/>
-            </a:endParaRPr>
-          </a:p>
-          <a:p>
-            <a:pPr eaLnBrk="1" hangingPunct="1"/>
-            <a:r>
-              <a:rPr lang="en-US" dirty="0">
-                <a:latin typeface="Arial" charset="0"/>
-              </a:rPr>
-              <a:t>Default constructor has no parameters </a:t>
-            </a:r>
-          </a:p>
-          <a:p>
-            <a:pPr eaLnBrk="1" hangingPunct="1"/>
-            <a:r>
-              <a:rPr lang="en-US" dirty="0">
-                <a:latin typeface="Arial" charset="0"/>
-              </a:rPr>
-              <a:t>Parameterized constructor takes 1+ arguments</a:t>
-            </a:r>
-          </a:p>
-          <a:p>
-            <a:pPr eaLnBrk="1" hangingPunct="1"/>
-            <a:r>
-              <a:rPr lang="en-US" dirty="0">
-                <a:latin typeface="Arial" charset="0"/>
-              </a:rPr>
-              <a:t>Constructors often examples of overloaded functions</a:t>
-            </a:r>
-          </a:p>
-          <a:p>
-            <a:pPr lvl="1" eaLnBrk="1" hangingPunct="1"/>
-            <a:r>
-              <a:rPr lang="en-US" dirty="0">
-                <a:latin typeface="Arial" charset="0"/>
-              </a:rPr>
-              <a:t>Functions with same name, different argument list</a:t>
-            </a:r>
-          </a:p>
-        </p:txBody>
-      </p:sp>
-      <p:sp>
-        <p:nvSpPr>
-          <p:cNvPr id="37891" name="Date Placeholder 3"/>
+                <a:solidFill>
+                  <a:srgbClr val="FF0000"/>
+                </a:solidFill>
+                <a:latin typeface="Courier New"/>
+                <a:cs typeface="Courier New"/>
+              </a:rPr>
+              <a:t>() { ... }</a:t>
+            </a:r>
+          </a:p>
+        </p:txBody>
+      </p:sp>
+      <p:sp>
+        <p:nvSpPr>
+          <p:cNvPr id="2" name="Date Placeholder 1"/>
           <p:cNvSpPr>
             <a:spLocks noGrp="1"/>
           </p:cNvSpPr>
           <p:nvPr>
-            <p:ph type="dt" sz="quarter" idx="10"/>
-          </p:nvPr>
-        </p:nvSpPr>
-        <p:spPr>
-          <a:noFill/>
-          <a:ln/>
-          <a:extLst>
-            <a:ext uri="{909E8E84-426E-40DD-AFC4-6F175D3DCCD1}">
-              <a14:hiddenFill xmlns:a14="http://schemas.microsoft.com/office/drawing/2010/main">
-                <a:solidFill>
-                  <a:srgbClr val="FFFFFF"/>
-                </a:solidFill>
-              </a14:hiddenFill>
-            </a:ext>
-            <a:ext uri="{91240B29-F687-4F45-9708-019B960494DF}">
-              <a14:hiddenLine xmlns:a14="http://schemas.microsoft.com/office/drawing/2010/main" w="9525">
-                <a:solidFill>
-                  <a:srgbClr val="000000"/>
-                </a:solidFill>
-                <a:miter lim="800000"/>
-                <a:headEnd/>
-                <a:tailEnd/>
-              </a14:hiddenLine>
-            </a:ext>
-          </a:extLst>
-        </p:spPr>
-        <p:txBody>
-          <a:bodyPr/>
-          <a:lstStyle>
-            <a:lvl1pPr eaLnBrk="0" hangingPunct="0">
-              <a:defRPr sz="2400">
-                <a:solidFill>
-                  <a:schemeClr val="tx1"/>
-                </a:solidFill>
-                <a:latin typeface="Arial" charset="0"/>
-                <a:ea typeface="ＭＳ Ｐゴシック" charset="0"/>
-                <a:cs typeface="ＭＳ Ｐゴシック" charset="0"/>
-              </a:defRPr>
-            </a:lvl1pPr>
-            <a:lvl2pPr marL="742950" indent="-285750" eaLnBrk="0" hangingPunct="0">
-              <a:defRPr sz="2400">
-                <a:solidFill>
-                  <a:schemeClr val="tx1"/>
-                </a:solidFill>
-                <a:latin typeface="Arial" charset="0"/>
-                <a:ea typeface="ＭＳ Ｐゴシック" charset="0"/>
-              </a:defRPr>
-            </a:lvl2pPr>
-            <a:lvl3pPr marL="1143000" indent="-228600" eaLnBrk="0" hangingPunct="0">
-              <a:defRPr sz="2400">
-                <a:solidFill>
-                  <a:schemeClr val="tx1"/>
-                </a:solidFill>
-                <a:latin typeface="Arial" charset="0"/>
-                <a:ea typeface="ＭＳ Ｐゴシック" charset="0"/>
-              </a:defRPr>
-            </a:lvl3pPr>
-            <a:lvl4pPr marL="1600200" indent="-228600" eaLnBrk="0" hangingPunct="0">
-              <a:defRPr sz="2400">
-                <a:solidFill>
-                  <a:schemeClr val="tx1"/>
-                </a:solidFill>
-                <a:latin typeface="Arial" charset="0"/>
-                <a:ea typeface="ＭＳ Ｐゴシック" charset="0"/>
-              </a:defRPr>
-            </a:lvl4pPr>
-            <a:lvl5pPr marL="2057400" indent="-228600" eaLnBrk="0" hangingPunct="0">
-              <a:defRPr sz="2400">
-                <a:solidFill>
-                  <a:schemeClr val="tx1"/>
-                </a:solidFill>
-                <a:latin typeface="Arial" charset="0"/>
-                <a:ea typeface="ＭＳ Ｐゴシック" charset="0"/>
-              </a:defRPr>
-            </a:lvl5pPr>
-            <a:lvl6pPr marL="2514600" indent="-228600" eaLnBrk="0" fontAlgn="base" hangingPunct="0">
-              <a:spcBef>
-                <a:spcPct val="0"/>
-              </a:spcBef>
-              <a:spcAft>
-                <a:spcPct val="0"/>
-              </a:spcAft>
-              <a:defRPr sz="2400">
-                <a:solidFill>
-                  <a:schemeClr val="tx1"/>
-                </a:solidFill>
-                <a:latin typeface="Arial" charset="0"/>
-                <a:ea typeface="ＭＳ Ｐゴシック" charset="0"/>
-              </a:defRPr>
-            </a:lvl6pPr>
-            <a:lvl7pPr marL="2971800" indent="-228600" eaLnBrk="0" fontAlgn="base" hangingPunct="0">
-              <a:spcBef>
-                <a:spcPct val="0"/>
-              </a:spcBef>
-              <a:spcAft>
-                <a:spcPct val="0"/>
-              </a:spcAft>
-              <a:defRPr sz="2400">
-                <a:solidFill>
-                  <a:schemeClr val="tx1"/>
-                </a:solidFill>
-                <a:latin typeface="Arial" charset="0"/>
-                <a:ea typeface="ＭＳ Ｐゴシック" charset="0"/>
-              </a:defRPr>
-            </a:lvl7pPr>
-            <a:lvl8pPr marL="3429000" indent="-228600" eaLnBrk="0" fontAlgn="base" hangingPunct="0">
-              <a:spcBef>
-                <a:spcPct val="0"/>
-              </a:spcBef>
-              <a:spcAft>
-                <a:spcPct val="0"/>
-              </a:spcAft>
-              <a:defRPr sz="2400">
-                <a:solidFill>
-                  <a:schemeClr val="tx1"/>
-                </a:solidFill>
-                <a:latin typeface="Arial" charset="0"/>
-                <a:ea typeface="ＭＳ Ｐゴシック" charset="0"/>
-              </a:defRPr>
-            </a:lvl8pPr>
-            <a:lvl9pPr marL="3886200" indent="-228600" eaLnBrk="0" fontAlgn="base" hangingPunct="0">
-              <a:spcBef>
-                <a:spcPct val="0"/>
-              </a:spcBef>
-              <a:spcAft>
-                <a:spcPct val="0"/>
-              </a:spcAft>
-              <a:defRPr sz="2400">
-                <a:solidFill>
-                  <a:schemeClr val="tx1"/>
-                </a:solidFill>
-                <a:latin typeface="Arial" charset="0"/>
-                <a:ea typeface="ＭＳ Ｐゴシック" charset="0"/>
-              </a:defRPr>
-            </a:lvl9pPr>
-          </a:lstStyle>
-          <a:p>
-            <a:pPr eaLnBrk="1" hangingPunct="1"/>
-            <a:fld id="{3CA3C777-6E53-48D1-A60F-1960DAD79F16}" type="datetime1">
-              <a:rPr lang="en-US" sz="1200" smtClean="0">
-                <a:latin typeface="Garamond" charset="0"/>
-              </a:rPr>
-              <a:t>2/22/2019</a:t>
-            </a:fld>
-            <a:endParaRPr lang="en-US" sz="1200">
-              <a:latin typeface="Garamond" charset="0"/>
-            </a:endParaRPr>
-          </a:p>
-        </p:txBody>
-      </p:sp>
-      <p:sp>
-        <p:nvSpPr>
-          <p:cNvPr id="5" name="Footer Placeholder 4"/>
-          <p:cNvSpPr>
-            <a:spLocks noGrp="1"/>
-          </p:cNvSpPr>
-          <p:nvPr>
-            <p:ph type="ftr" sz="quarter" idx="11"/>
+            <p:ph type="dt" sz="half" idx="10"/>
           </p:nvPr>
         </p:nvSpPr>
         <p:spPr/>
@@ -9033,178 +9444,18 @@
           <a:bodyPr/>
           <a:lstStyle/>
           <a:p>
-            <a:pPr>
-              <a:defRPr/>
-            </a:pPr>
-            <a:r>
-              <a:rPr lang="en-US" altLang="en-US"/>
-              <a:t>Data Structures: Exam 1 Preview</a:t>
-            </a:r>
-          </a:p>
-        </p:txBody>
-      </p:sp>
-      <p:sp>
-        <p:nvSpPr>
-          <p:cNvPr id="37893" name="Slide Number Placeholder 5"/>
-          <p:cNvSpPr>
-            <a:spLocks noGrp="1"/>
-          </p:cNvSpPr>
-          <p:nvPr>
-            <p:ph type="sldNum" sz="quarter" idx="12"/>
-          </p:nvPr>
-        </p:nvSpPr>
-        <p:spPr>
-          <a:noFill/>
-          <a:ln/>
-          <a:extLst>
-            <a:ext uri="{909E8E84-426E-40DD-AFC4-6F175D3DCCD1}">
-              <a14:hiddenFill xmlns:a14="http://schemas.microsoft.com/office/drawing/2010/main">
-                <a:solidFill>
-                  <a:srgbClr val="FFFFFF"/>
-                </a:solidFill>
-              </a14:hiddenFill>
-            </a:ext>
-            <a:ext uri="{91240B29-F687-4F45-9708-019B960494DF}">
-              <a14:hiddenLine xmlns:a14="http://schemas.microsoft.com/office/drawing/2010/main" w="9525">
-                <a:solidFill>
-                  <a:srgbClr val="000000"/>
-                </a:solidFill>
-                <a:miter lim="800000"/>
-                <a:headEnd/>
-                <a:tailEnd/>
-              </a14:hiddenLine>
-            </a:ext>
-          </a:extLst>
-        </p:spPr>
-        <p:txBody>
-          <a:bodyPr/>
-          <a:lstStyle>
-            <a:lvl1pPr eaLnBrk="0" hangingPunct="0">
-              <a:defRPr sz="2400">
-                <a:solidFill>
-                  <a:schemeClr val="tx1"/>
-                </a:solidFill>
-                <a:latin typeface="Arial" charset="0"/>
-                <a:ea typeface="ＭＳ Ｐゴシック" charset="0"/>
-                <a:cs typeface="ＭＳ Ｐゴシック" charset="0"/>
-              </a:defRPr>
-            </a:lvl1pPr>
-            <a:lvl2pPr marL="742950" indent="-285750" eaLnBrk="0" hangingPunct="0">
-              <a:defRPr sz="2400">
-                <a:solidFill>
-                  <a:schemeClr val="tx1"/>
-                </a:solidFill>
-                <a:latin typeface="Arial" charset="0"/>
-                <a:ea typeface="ＭＳ Ｐゴシック" charset="0"/>
-              </a:defRPr>
-            </a:lvl2pPr>
-            <a:lvl3pPr marL="1143000" indent="-228600" eaLnBrk="0" hangingPunct="0">
-              <a:defRPr sz="2400">
-                <a:solidFill>
-                  <a:schemeClr val="tx1"/>
-                </a:solidFill>
-                <a:latin typeface="Arial" charset="0"/>
-                <a:ea typeface="ＭＳ Ｐゴシック" charset="0"/>
-              </a:defRPr>
-            </a:lvl3pPr>
-            <a:lvl4pPr marL="1600200" indent="-228600" eaLnBrk="0" hangingPunct="0">
-              <a:defRPr sz="2400">
-                <a:solidFill>
-                  <a:schemeClr val="tx1"/>
-                </a:solidFill>
-                <a:latin typeface="Arial" charset="0"/>
-                <a:ea typeface="ＭＳ Ｐゴシック" charset="0"/>
-              </a:defRPr>
-            </a:lvl4pPr>
-            <a:lvl5pPr marL="2057400" indent="-228600" eaLnBrk="0" hangingPunct="0">
-              <a:defRPr sz="2400">
-                <a:solidFill>
-                  <a:schemeClr val="tx1"/>
-                </a:solidFill>
-                <a:latin typeface="Arial" charset="0"/>
-                <a:ea typeface="ＭＳ Ｐゴシック" charset="0"/>
-              </a:defRPr>
-            </a:lvl5pPr>
-            <a:lvl6pPr marL="2514600" indent="-228600" eaLnBrk="0" fontAlgn="base" hangingPunct="0">
-              <a:spcBef>
-                <a:spcPct val="0"/>
-              </a:spcBef>
-              <a:spcAft>
-                <a:spcPct val="0"/>
-              </a:spcAft>
-              <a:defRPr sz="2400">
-                <a:solidFill>
-                  <a:schemeClr val="tx1"/>
-                </a:solidFill>
-                <a:latin typeface="Arial" charset="0"/>
-                <a:ea typeface="ＭＳ Ｐゴシック" charset="0"/>
-              </a:defRPr>
-            </a:lvl6pPr>
-            <a:lvl7pPr marL="2971800" indent="-228600" eaLnBrk="0" fontAlgn="base" hangingPunct="0">
-              <a:spcBef>
-                <a:spcPct val="0"/>
-              </a:spcBef>
-              <a:spcAft>
-                <a:spcPct val="0"/>
-              </a:spcAft>
-              <a:defRPr sz="2400">
-                <a:solidFill>
-                  <a:schemeClr val="tx1"/>
-                </a:solidFill>
-                <a:latin typeface="Arial" charset="0"/>
-                <a:ea typeface="ＭＳ Ｐゴシック" charset="0"/>
-              </a:defRPr>
-            </a:lvl7pPr>
-            <a:lvl8pPr marL="3429000" indent="-228600" eaLnBrk="0" fontAlgn="base" hangingPunct="0">
-              <a:spcBef>
-                <a:spcPct val="0"/>
-              </a:spcBef>
-              <a:spcAft>
-                <a:spcPct val="0"/>
-              </a:spcAft>
-              <a:defRPr sz="2400">
-                <a:solidFill>
-                  <a:schemeClr val="tx1"/>
-                </a:solidFill>
-                <a:latin typeface="Arial" charset="0"/>
-                <a:ea typeface="ＭＳ Ｐゴシック" charset="0"/>
-              </a:defRPr>
-            </a:lvl8pPr>
-            <a:lvl9pPr marL="3886200" indent="-228600" eaLnBrk="0" fontAlgn="base" hangingPunct="0">
-              <a:spcBef>
-                <a:spcPct val="0"/>
-              </a:spcBef>
-              <a:spcAft>
-                <a:spcPct val="0"/>
-              </a:spcAft>
-              <a:defRPr sz="2400">
-                <a:solidFill>
-                  <a:schemeClr val="tx1"/>
-                </a:solidFill>
-                <a:latin typeface="Arial" charset="0"/>
-                <a:ea typeface="ＭＳ Ｐゴシック" charset="0"/>
-              </a:defRPr>
-            </a:lvl9pPr>
-          </a:lstStyle>
-          <a:p>
-            <a:pPr eaLnBrk="1" hangingPunct="1"/>
-            <a:fld id="{C1CC15F8-4377-5540-BD22-CD22ABD20F84}" type="slidenum">
-              <a:rPr lang="en-US" sz="1200">
-                <a:latin typeface="Garamond" charset="0"/>
-              </a:rPr>
-              <a:pPr eaLnBrk="1" hangingPunct="1"/>
-              <a:t>16</a:t>
+            <a:fld id="{B9CEA7B0-E54D-45C9-B07F-218EFACFF298}" type="datetime1">
+              <a:rPr lang="en-US" smtClean="0"/>
+              <a:t>2/23/2019</a:t>
             </a:fld>
-            <a:endParaRPr lang="en-US" sz="1200">
-              <a:latin typeface="Garamond" charset="0"/>
-            </a:endParaRPr>
+            <a:endParaRPr lang="en-US"/>
           </a:p>
         </p:txBody>
       </p:sp>
     </p:spTree>
     <p:extLst>
       <p:ext uri="{BB962C8B-B14F-4D97-AF65-F5344CB8AC3E}">
-        <p14:creationId xmlns:p14="http://schemas.microsoft.com/office/powerpoint/2010/main" val="3356283228"/>
+        <p14:creationId xmlns:p14="http://schemas.microsoft.com/office/powerpoint/2010/main" val="426401017"/>
       </p:ext>
     </p:extLst>
   </p:cSld>
@@ -9233,6 +9484,532 @@
       </p:grpSpPr>
       <p:sp>
         <p:nvSpPr>
+          <p:cNvPr id="37889" name="Title 1"/>
+          <p:cNvSpPr>
+            <a:spLocks noGrp="1"/>
+          </p:cNvSpPr>
+          <p:nvPr>
+            <p:ph type="title"/>
+          </p:nvPr>
+        </p:nvSpPr>
+        <p:spPr/>
+        <p:txBody>
+          <a:bodyPr/>
+          <a:lstStyle/>
+          <a:p>
+            <a:r>
+              <a:rPr lang="en-US" dirty="0">
+                <a:latin typeface="Garamond" charset="0"/>
+              </a:rPr>
+              <a:t>Review: Constructors</a:t>
+            </a:r>
+          </a:p>
+        </p:txBody>
+      </p:sp>
+      <p:sp>
+        <p:nvSpPr>
+          <p:cNvPr id="37890" name="Content Placeholder 2"/>
+          <p:cNvSpPr>
+            <a:spLocks noGrp="1"/>
+          </p:cNvSpPr>
+          <p:nvPr>
+            <p:ph idx="1"/>
+          </p:nvPr>
+        </p:nvSpPr>
+        <p:spPr/>
+        <p:txBody>
+          <a:bodyPr>
+            <a:normAutofit fontScale="92500"/>
+          </a:bodyPr>
+          <a:lstStyle/>
+          <a:p>
+            <a:pPr eaLnBrk="1" hangingPunct="1"/>
+            <a:r>
+              <a:rPr lang="en-US" dirty="0">
+                <a:latin typeface="Arial" charset="0"/>
+              </a:rPr>
+              <a:t>Functions used to initialize an object’</a:t>
+            </a:r>
+            <a:r>
+              <a:rPr lang="en-US" altLang="ja-JP" dirty="0">
+                <a:latin typeface="Arial" charset="0"/>
+              </a:rPr>
+              <a:t>s data when it is created</a:t>
+            </a:r>
+          </a:p>
+          <a:p>
+            <a:pPr lvl="1" eaLnBrk="1" hangingPunct="1"/>
+            <a:r>
+              <a:rPr lang="en-US" dirty="0">
+                <a:latin typeface="Arial" charset="0"/>
+              </a:rPr>
+              <a:t>Must be defined with the same name as the class:</a:t>
+            </a:r>
+          </a:p>
+          <a:p>
+            <a:pPr marL="344487" lvl="1" indent="0" eaLnBrk="1" hangingPunct="1">
+              <a:buNone/>
+            </a:pPr>
+            <a:r>
+              <a:rPr lang="en-US" dirty="0">
+                <a:latin typeface="Arial" charset="0"/>
+              </a:rPr>
+              <a:t>	e.g. </a:t>
+            </a:r>
+            <a:r>
+              <a:rPr lang="en-US" b="1" dirty="0" err="1">
+                <a:latin typeface="Courier New" charset="0"/>
+                <a:cs typeface="Courier New" charset="0"/>
+              </a:rPr>
+              <a:t>GradeBook</a:t>
+            </a:r>
+            <a:r>
+              <a:rPr lang="en-US" b="1" dirty="0">
+                <a:latin typeface="Courier New" charset="0"/>
+                <a:cs typeface="Courier New" charset="0"/>
+              </a:rPr>
+              <a:t>::</a:t>
+            </a:r>
+            <a:r>
+              <a:rPr lang="en-US" b="1" dirty="0" err="1">
+                <a:latin typeface="Courier New" charset="0"/>
+                <a:cs typeface="Courier New" charset="0"/>
+              </a:rPr>
+              <a:t>GradeBook</a:t>
+            </a:r>
+            <a:r>
+              <a:rPr lang="en-US" b="1" dirty="0">
+                <a:latin typeface="Courier New" charset="0"/>
+                <a:cs typeface="Courier New" charset="0"/>
+              </a:rPr>
+              <a:t>() </a:t>
+            </a:r>
+            <a:endParaRPr lang="en-US" dirty="0">
+              <a:latin typeface="Arial" charset="0"/>
+            </a:endParaRPr>
+          </a:p>
+          <a:p>
+            <a:pPr lvl="1" eaLnBrk="1" hangingPunct="1"/>
+            <a:r>
+              <a:rPr lang="en-US" dirty="0">
+                <a:latin typeface="Arial" charset="0"/>
+              </a:rPr>
+              <a:t>No return type</a:t>
+            </a:r>
+            <a:endParaRPr lang="en-US" dirty="0">
+              <a:latin typeface="Lucida Console" charset="0"/>
+            </a:endParaRPr>
+          </a:p>
+          <a:p>
+            <a:pPr eaLnBrk="1" hangingPunct="1"/>
+            <a:r>
+              <a:rPr lang="en-US" dirty="0">
+                <a:latin typeface="Arial" charset="0"/>
+              </a:rPr>
+              <a:t>Default constructor has no parameters </a:t>
+            </a:r>
+          </a:p>
+          <a:p>
+            <a:pPr eaLnBrk="1" hangingPunct="1"/>
+            <a:r>
+              <a:rPr lang="en-US" dirty="0">
+                <a:latin typeface="Arial" charset="0"/>
+              </a:rPr>
+              <a:t>Parameterized constructor takes 1+ arguments</a:t>
+            </a:r>
+          </a:p>
+          <a:p>
+            <a:pPr eaLnBrk="1" hangingPunct="1"/>
+            <a:r>
+              <a:rPr lang="en-US" dirty="0">
+                <a:latin typeface="Arial" charset="0"/>
+              </a:rPr>
+              <a:t>Constructors often examples of overloaded functions</a:t>
+            </a:r>
+          </a:p>
+          <a:p>
+            <a:pPr lvl="1" eaLnBrk="1" hangingPunct="1"/>
+            <a:r>
+              <a:rPr lang="en-US" dirty="0">
+                <a:latin typeface="Arial" charset="0"/>
+              </a:rPr>
+              <a:t>Functions with same name, different argument list</a:t>
+            </a:r>
+          </a:p>
+        </p:txBody>
+      </p:sp>
+      <p:sp>
+        <p:nvSpPr>
+          <p:cNvPr id="37891" name="Date Placeholder 3"/>
+          <p:cNvSpPr>
+            <a:spLocks noGrp="1"/>
+          </p:cNvSpPr>
+          <p:nvPr>
+            <p:ph type="dt" sz="quarter" idx="10"/>
+          </p:nvPr>
+        </p:nvSpPr>
+        <p:spPr>
+          <a:noFill/>
+          <a:ln/>
+          <a:extLst>
+            <a:ext uri="{909E8E84-426E-40DD-AFC4-6F175D3DCCD1}">
+              <a14:hiddenFill xmlns:a14="http://schemas.microsoft.com/office/drawing/2010/main">
+                <a:solidFill>
+                  <a:srgbClr val="FFFFFF"/>
+                </a:solidFill>
+              </a14:hiddenFill>
+            </a:ext>
+            <a:ext uri="{91240B29-F687-4F45-9708-019B960494DF}">
+              <a14:hiddenLine xmlns:a14="http://schemas.microsoft.com/office/drawing/2010/main" w="9525">
+                <a:solidFill>
+                  <a:srgbClr val="000000"/>
+                </a:solidFill>
+                <a:miter lim="800000"/>
+                <a:headEnd/>
+                <a:tailEnd/>
+              </a14:hiddenLine>
+            </a:ext>
+          </a:extLst>
+        </p:spPr>
+        <p:txBody>
+          <a:bodyPr/>
+          <a:lstStyle>
+            <a:lvl1pPr eaLnBrk="0" hangingPunct="0">
+              <a:defRPr sz="2400">
+                <a:solidFill>
+                  <a:schemeClr val="tx1"/>
+                </a:solidFill>
+                <a:latin typeface="Arial" charset="0"/>
+                <a:ea typeface="ＭＳ Ｐゴシック" charset="0"/>
+                <a:cs typeface="ＭＳ Ｐゴシック" charset="0"/>
+              </a:defRPr>
+            </a:lvl1pPr>
+            <a:lvl2pPr marL="742950" indent="-285750" eaLnBrk="0" hangingPunct="0">
+              <a:defRPr sz="2400">
+                <a:solidFill>
+                  <a:schemeClr val="tx1"/>
+                </a:solidFill>
+                <a:latin typeface="Arial" charset="0"/>
+                <a:ea typeface="ＭＳ Ｐゴシック" charset="0"/>
+              </a:defRPr>
+            </a:lvl2pPr>
+            <a:lvl3pPr marL="1143000" indent="-228600" eaLnBrk="0" hangingPunct="0">
+              <a:defRPr sz="2400">
+                <a:solidFill>
+                  <a:schemeClr val="tx1"/>
+                </a:solidFill>
+                <a:latin typeface="Arial" charset="0"/>
+                <a:ea typeface="ＭＳ Ｐゴシック" charset="0"/>
+              </a:defRPr>
+            </a:lvl3pPr>
+            <a:lvl4pPr marL="1600200" indent="-228600" eaLnBrk="0" hangingPunct="0">
+              <a:defRPr sz="2400">
+                <a:solidFill>
+                  <a:schemeClr val="tx1"/>
+                </a:solidFill>
+                <a:latin typeface="Arial" charset="0"/>
+                <a:ea typeface="ＭＳ Ｐゴシック" charset="0"/>
+              </a:defRPr>
+            </a:lvl4pPr>
+            <a:lvl5pPr marL="2057400" indent="-228600" eaLnBrk="0" hangingPunct="0">
+              <a:defRPr sz="2400">
+                <a:solidFill>
+                  <a:schemeClr val="tx1"/>
+                </a:solidFill>
+                <a:latin typeface="Arial" charset="0"/>
+                <a:ea typeface="ＭＳ Ｐゴシック" charset="0"/>
+              </a:defRPr>
+            </a:lvl5pPr>
+            <a:lvl6pPr marL="2514600" indent="-228600" eaLnBrk="0" fontAlgn="base" hangingPunct="0">
+              <a:spcBef>
+                <a:spcPct val="0"/>
+              </a:spcBef>
+              <a:spcAft>
+                <a:spcPct val="0"/>
+              </a:spcAft>
+              <a:defRPr sz="2400">
+                <a:solidFill>
+                  <a:schemeClr val="tx1"/>
+                </a:solidFill>
+                <a:latin typeface="Arial" charset="0"/>
+                <a:ea typeface="ＭＳ Ｐゴシック" charset="0"/>
+              </a:defRPr>
+            </a:lvl6pPr>
+            <a:lvl7pPr marL="2971800" indent="-228600" eaLnBrk="0" fontAlgn="base" hangingPunct="0">
+              <a:spcBef>
+                <a:spcPct val="0"/>
+              </a:spcBef>
+              <a:spcAft>
+                <a:spcPct val="0"/>
+              </a:spcAft>
+              <a:defRPr sz="2400">
+                <a:solidFill>
+                  <a:schemeClr val="tx1"/>
+                </a:solidFill>
+                <a:latin typeface="Arial" charset="0"/>
+                <a:ea typeface="ＭＳ Ｐゴシック" charset="0"/>
+              </a:defRPr>
+            </a:lvl7pPr>
+            <a:lvl8pPr marL="3429000" indent="-228600" eaLnBrk="0" fontAlgn="base" hangingPunct="0">
+              <a:spcBef>
+                <a:spcPct val="0"/>
+              </a:spcBef>
+              <a:spcAft>
+                <a:spcPct val="0"/>
+              </a:spcAft>
+              <a:defRPr sz="2400">
+                <a:solidFill>
+                  <a:schemeClr val="tx1"/>
+                </a:solidFill>
+                <a:latin typeface="Arial" charset="0"/>
+                <a:ea typeface="ＭＳ Ｐゴシック" charset="0"/>
+              </a:defRPr>
+            </a:lvl8pPr>
+            <a:lvl9pPr marL="3886200" indent="-228600" eaLnBrk="0" fontAlgn="base" hangingPunct="0">
+              <a:spcBef>
+                <a:spcPct val="0"/>
+              </a:spcBef>
+              <a:spcAft>
+                <a:spcPct val="0"/>
+              </a:spcAft>
+              <a:defRPr sz="2400">
+                <a:solidFill>
+                  <a:schemeClr val="tx1"/>
+                </a:solidFill>
+                <a:latin typeface="Arial" charset="0"/>
+                <a:ea typeface="ＭＳ Ｐゴシック" charset="0"/>
+              </a:defRPr>
+            </a:lvl9pPr>
+          </a:lstStyle>
+          <a:p>
+            <a:pPr eaLnBrk="1" hangingPunct="1"/>
+            <a:fld id="{C37F54EF-1810-4A5F-ACF4-910DA12DE607}" type="datetime1">
+              <a:rPr lang="en-US" sz="1200" smtClean="0">
+                <a:latin typeface="Garamond" charset="0"/>
+              </a:rPr>
+              <a:t>2/23/2019</a:t>
+            </a:fld>
+            <a:endParaRPr lang="en-US" sz="1200">
+              <a:latin typeface="Garamond" charset="0"/>
+            </a:endParaRPr>
+          </a:p>
+        </p:txBody>
+      </p:sp>
+      <p:sp>
+        <p:nvSpPr>
+          <p:cNvPr id="5" name="Footer Placeholder 4"/>
+          <p:cNvSpPr>
+            <a:spLocks noGrp="1"/>
+          </p:cNvSpPr>
+          <p:nvPr>
+            <p:ph type="ftr" sz="quarter" idx="11"/>
+          </p:nvPr>
+        </p:nvSpPr>
+        <p:spPr/>
+        <p:txBody>
+          <a:bodyPr/>
+          <a:lstStyle/>
+          <a:p>
+            <a:pPr>
+              <a:defRPr/>
+            </a:pPr>
+            <a:r>
+              <a:rPr lang="en-US" altLang="en-US"/>
+              <a:t>Data Structures: Exam 1 Preview</a:t>
+            </a:r>
+          </a:p>
+        </p:txBody>
+      </p:sp>
+      <p:sp>
+        <p:nvSpPr>
+          <p:cNvPr id="37893" name="Slide Number Placeholder 5"/>
+          <p:cNvSpPr>
+            <a:spLocks noGrp="1"/>
+          </p:cNvSpPr>
+          <p:nvPr>
+            <p:ph type="sldNum" sz="quarter" idx="12"/>
+          </p:nvPr>
+        </p:nvSpPr>
+        <p:spPr>
+          <a:noFill/>
+          <a:ln/>
+          <a:extLst>
+            <a:ext uri="{909E8E84-426E-40DD-AFC4-6F175D3DCCD1}">
+              <a14:hiddenFill xmlns:a14="http://schemas.microsoft.com/office/drawing/2010/main">
+                <a:solidFill>
+                  <a:srgbClr val="FFFFFF"/>
+                </a:solidFill>
+              </a14:hiddenFill>
+            </a:ext>
+            <a:ext uri="{91240B29-F687-4F45-9708-019B960494DF}">
+              <a14:hiddenLine xmlns:a14="http://schemas.microsoft.com/office/drawing/2010/main" w="9525">
+                <a:solidFill>
+                  <a:srgbClr val="000000"/>
+                </a:solidFill>
+                <a:miter lim="800000"/>
+                <a:headEnd/>
+                <a:tailEnd/>
+              </a14:hiddenLine>
+            </a:ext>
+          </a:extLst>
+        </p:spPr>
+        <p:txBody>
+          <a:bodyPr/>
+          <a:lstStyle>
+            <a:lvl1pPr eaLnBrk="0" hangingPunct="0">
+              <a:defRPr sz="2400">
+                <a:solidFill>
+                  <a:schemeClr val="tx1"/>
+                </a:solidFill>
+                <a:latin typeface="Arial" charset="0"/>
+                <a:ea typeface="ＭＳ Ｐゴシック" charset="0"/>
+                <a:cs typeface="ＭＳ Ｐゴシック" charset="0"/>
+              </a:defRPr>
+            </a:lvl1pPr>
+            <a:lvl2pPr marL="742950" indent="-285750" eaLnBrk="0" hangingPunct="0">
+              <a:defRPr sz="2400">
+                <a:solidFill>
+                  <a:schemeClr val="tx1"/>
+                </a:solidFill>
+                <a:latin typeface="Arial" charset="0"/>
+                <a:ea typeface="ＭＳ Ｐゴシック" charset="0"/>
+              </a:defRPr>
+            </a:lvl2pPr>
+            <a:lvl3pPr marL="1143000" indent="-228600" eaLnBrk="0" hangingPunct="0">
+              <a:defRPr sz="2400">
+                <a:solidFill>
+                  <a:schemeClr val="tx1"/>
+                </a:solidFill>
+                <a:latin typeface="Arial" charset="0"/>
+                <a:ea typeface="ＭＳ Ｐゴシック" charset="0"/>
+              </a:defRPr>
+            </a:lvl3pPr>
+            <a:lvl4pPr marL="1600200" indent="-228600" eaLnBrk="0" hangingPunct="0">
+              <a:defRPr sz="2400">
+                <a:solidFill>
+                  <a:schemeClr val="tx1"/>
+                </a:solidFill>
+                <a:latin typeface="Arial" charset="0"/>
+                <a:ea typeface="ＭＳ Ｐゴシック" charset="0"/>
+              </a:defRPr>
+            </a:lvl4pPr>
+            <a:lvl5pPr marL="2057400" indent="-228600" eaLnBrk="0" hangingPunct="0">
+              <a:defRPr sz="2400">
+                <a:solidFill>
+                  <a:schemeClr val="tx1"/>
+                </a:solidFill>
+                <a:latin typeface="Arial" charset="0"/>
+                <a:ea typeface="ＭＳ Ｐゴシック" charset="0"/>
+              </a:defRPr>
+            </a:lvl5pPr>
+            <a:lvl6pPr marL="2514600" indent="-228600" eaLnBrk="0" fontAlgn="base" hangingPunct="0">
+              <a:spcBef>
+                <a:spcPct val="0"/>
+              </a:spcBef>
+              <a:spcAft>
+                <a:spcPct val="0"/>
+              </a:spcAft>
+              <a:defRPr sz="2400">
+                <a:solidFill>
+                  <a:schemeClr val="tx1"/>
+                </a:solidFill>
+                <a:latin typeface="Arial" charset="0"/>
+                <a:ea typeface="ＭＳ Ｐゴシック" charset="0"/>
+              </a:defRPr>
+            </a:lvl6pPr>
+            <a:lvl7pPr marL="2971800" indent="-228600" eaLnBrk="0" fontAlgn="base" hangingPunct="0">
+              <a:spcBef>
+                <a:spcPct val="0"/>
+              </a:spcBef>
+              <a:spcAft>
+                <a:spcPct val="0"/>
+              </a:spcAft>
+              <a:defRPr sz="2400">
+                <a:solidFill>
+                  <a:schemeClr val="tx1"/>
+                </a:solidFill>
+                <a:latin typeface="Arial" charset="0"/>
+                <a:ea typeface="ＭＳ Ｐゴシック" charset="0"/>
+              </a:defRPr>
+            </a:lvl7pPr>
+            <a:lvl8pPr marL="3429000" indent="-228600" eaLnBrk="0" fontAlgn="base" hangingPunct="0">
+              <a:spcBef>
+                <a:spcPct val="0"/>
+              </a:spcBef>
+              <a:spcAft>
+                <a:spcPct val="0"/>
+              </a:spcAft>
+              <a:defRPr sz="2400">
+                <a:solidFill>
+                  <a:schemeClr val="tx1"/>
+                </a:solidFill>
+                <a:latin typeface="Arial" charset="0"/>
+                <a:ea typeface="ＭＳ Ｐゴシック" charset="0"/>
+              </a:defRPr>
+            </a:lvl8pPr>
+            <a:lvl9pPr marL="3886200" indent="-228600" eaLnBrk="0" fontAlgn="base" hangingPunct="0">
+              <a:spcBef>
+                <a:spcPct val="0"/>
+              </a:spcBef>
+              <a:spcAft>
+                <a:spcPct val="0"/>
+              </a:spcAft>
+              <a:defRPr sz="2400">
+                <a:solidFill>
+                  <a:schemeClr val="tx1"/>
+                </a:solidFill>
+                <a:latin typeface="Arial" charset="0"/>
+                <a:ea typeface="ＭＳ Ｐゴシック" charset="0"/>
+              </a:defRPr>
+            </a:lvl9pPr>
+          </a:lstStyle>
+          <a:p>
+            <a:pPr eaLnBrk="1" hangingPunct="1"/>
+            <a:fld id="{C1CC15F8-4377-5540-BD22-CD22ABD20F84}" type="slidenum">
+              <a:rPr lang="en-US" sz="1200">
+                <a:latin typeface="Garamond" charset="0"/>
+              </a:rPr>
+              <a:pPr eaLnBrk="1" hangingPunct="1"/>
+              <a:t>17</a:t>
+            </a:fld>
+            <a:endParaRPr lang="en-US" sz="1200">
+              <a:latin typeface="Garamond" charset="0"/>
+            </a:endParaRPr>
+          </a:p>
+        </p:txBody>
+      </p:sp>
+    </p:spTree>
+    <p:extLst>
+      <p:ext uri="{BB962C8B-B14F-4D97-AF65-F5344CB8AC3E}">
+        <p14:creationId xmlns:p14="http://schemas.microsoft.com/office/powerpoint/2010/main" val="3356283228"/>
+      </p:ext>
+    </p:extLst>
+  </p:cSld>
+  <p:clrMapOvr>
+    <a:masterClrMapping/>
+  </p:clrMapOvr>
+</p:sld>
+</file>
+
+<file path=ppt/slides/slide18.xml><?xml version="1.0" encoding="utf-8"?>
+<p:sld xmlns:a="http://schemas.openxmlformats.org/drawingml/2006/main" xmlns:r="http://schemas.openxmlformats.org/officeDocument/2006/relationships" xmlns:p="http://schemas.openxmlformats.org/presentationml/2006/main">
+  <p:cSld>
+    <p:spTree>
+      <p:nvGrpSpPr>
+        <p:cNvPr id="1" name=""/>
+        <p:cNvGrpSpPr/>
+        <p:nvPr/>
+      </p:nvGrpSpPr>
+      <p:grpSpPr>
+        <a:xfrm>
+          <a:off x="0" y="0"/>
+          <a:ext cx="0" cy="0"/>
+          <a:chOff x="0" y="0"/>
+          <a:chExt cx="0" cy="0"/>
+        </a:xfrm>
+      </p:grpSpPr>
+      <p:sp>
+        <p:nvSpPr>
           <p:cNvPr id="25602" name="Title 1"/>
           <p:cNvSpPr>
             <a:spLocks noGrp="1"/>
@@ -9468,11 +10245,11 @@
             </a:lvl9pPr>
           </a:lstStyle>
           <a:p>
-            <a:fld id="{3CA109CF-BA8C-4799-B892-DFE01E34031F}" type="datetime1">
+            <a:fld id="{8DB3BCC1-15F5-4581-B9E0-C9D0E774AA86}" type="datetime1">
               <a:rPr lang="en-US" smtClean="0">
                 <a:latin typeface="+mj-lt"/>
               </a:rPr>
-              <a:t>2/22/2019</a:t>
+              <a:t>2/23/2019</a:t>
             </a:fld>
             <a:endParaRPr lang="en-US" dirty="0">
               <a:latin typeface="+mj-lt"/>
@@ -9637,7 +10414,7 @@
                 <a:latin typeface="+mj-lt"/>
               </a:rPr>
               <a:pPr/>
-              <a:t>17</a:t>
+              <a:t>18</a:t>
             </a:fld>
             <a:endParaRPr lang="en-US" dirty="0">
               <a:latin typeface="+mj-lt"/>
@@ -9916,11 +10693,11 @@
             </a:lvl9pPr>
           </a:lstStyle>
           <a:p>
-            <a:fld id="{B28F3F78-A35A-4DD8-8122-D98BEB465E19}" type="datetime1">
+            <a:fld id="{D2F31E65-4E9C-4653-BCB2-06ADD6BB4C56}" type="datetime1">
               <a:rPr lang="en-US" smtClean="0">
                 <a:latin typeface="+mj-lt"/>
               </a:rPr>
-              <a:t>2/22/2019</a:t>
+              <a:t>2/23/2019</a:t>
             </a:fld>
             <a:endParaRPr lang="en-US" dirty="0">
               <a:latin typeface="+mj-lt"/>
@@ -10602,11 +11379,11 @@
           </a:lstStyle>
           <a:p>
             <a:pPr eaLnBrk="1" hangingPunct="1"/>
-            <a:fld id="{B762B483-C9B1-4299-BDE3-6AAA98763F17}" type="datetime1">
+            <a:fld id="{E5ACFC8C-F329-4EB9-9787-17BE6BA7BB04}" type="datetime1">
               <a:rPr lang="en-US" smtClean="0">
                 <a:latin typeface="Garamond" charset="0"/>
               </a:rPr>
-              <a:t>2/22/2019</a:t>
+              <a:t>2/23/2019</a:t>
             </a:fld>
             <a:endParaRPr lang="en-US">
               <a:latin typeface="Garamond" charset="0"/>
@@ -11206,11 +11983,11 @@
           </a:lstStyle>
           <a:p>
             <a:pPr eaLnBrk="1" hangingPunct="1"/>
-            <a:fld id="{AEF55EE0-AF5C-43FF-8754-764F5B10D623}" type="datetime1">
+            <a:fld id="{857CDEC3-A323-4163-AF64-E3330080D57B}" type="datetime1">
               <a:rPr lang="en-US" smtClean="0">
                 <a:latin typeface="Garamond" charset="0"/>
               </a:rPr>
-              <a:t>2/22/2019</a:t>
+              <a:t>2/23/2019</a:t>
             </a:fld>
             <a:endParaRPr lang="en-US">
               <a:latin typeface="Garamond" charset="0"/>
@@ -11603,9 +12380,9 @@
           <a:bodyPr/>
           <a:lstStyle/>
           <a:p>
-            <a:fld id="{A44F2AD0-B22F-451A-8373-878F337F881D}" type="datetime1">
+            <a:fld id="{96AE20C6-5BB4-41FD-BB28-18387BF116AD}" type="datetime1">
               <a:rPr lang="en-US" smtClean="0"/>
-              <a:t>2/22/2019</a:t>
+              <a:t>2/23/2019</a:t>
             </a:fld>
             <a:endParaRPr lang="en-US"/>
           </a:p>
@@ -11993,11 +12770,11 @@
           </a:lstStyle>
           <a:p>
             <a:pPr eaLnBrk="1" hangingPunct="1"/>
-            <a:fld id="{A4AD1A6A-0127-4446-834E-BE4C11A91C91}" type="datetime1">
+            <a:fld id="{C65E7280-FA34-4F26-9022-AD30698966EA}" type="datetime1">
               <a:rPr lang="en-US" smtClean="0">
                 <a:latin typeface="Garamond" charset="0"/>
               </a:rPr>
-              <a:t>2/22/2019</a:t>
+              <a:t>2/23/2019</a:t>
             </a:fld>
             <a:endParaRPr lang="en-US">
               <a:latin typeface="Garamond" charset="0"/>
@@ -12430,9 +13207,9 @@
           <a:bodyPr/>
           <a:lstStyle/>
           <a:p>
-            <a:fld id="{FF914393-0C5C-4199-92B0-932A1E7603FF}" type="datetime1">
+            <a:fld id="{D1B7F476-8107-4026-B725-31CB0610DA6E}" type="datetime1">
               <a:rPr lang="en-US" smtClean="0"/>
-              <a:t>2/22/2019</a:t>
+              <a:t>2/23/2019</a:t>
             </a:fld>
             <a:endParaRPr lang="en-US"/>
           </a:p>
@@ -12941,11 +13718,11 @@
           </a:lstStyle>
           <a:p>
             <a:pPr eaLnBrk="1" hangingPunct="1"/>
-            <a:fld id="{A10994CC-428B-485B-B4BA-2050A6865E69}" type="datetime1">
+            <a:fld id="{2A8FC78A-DB61-463E-849E-B1D1266BF016}" type="datetime1">
               <a:rPr lang="en-US" smtClean="0">
                 <a:latin typeface="Garamond" charset="0"/>
               </a:rPr>
-              <a:t>2/22/2019</a:t>
+              <a:t>2/23/2019</a:t>
             </a:fld>
             <a:endParaRPr lang="en-US">
               <a:latin typeface="Garamond" charset="0"/>
@@ -13642,9 +14419,9 @@
           <a:bodyPr/>
           <a:lstStyle/>
           <a:p>
-            <a:fld id="{3619AF03-6672-415A-884B-C0EB678E2A8F}" type="datetime1">
+            <a:fld id="{92F31F65-97CD-4D1E-B4AC-2EAABFFDA1E6}" type="datetime1">
               <a:rPr lang="en-US" smtClean="0"/>
-              <a:t>2/22/2019</a:t>
+              <a:t>2/23/2019</a:t>
             </a:fld>
             <a:endParaRPr lang="en-US"/>
           </a:p>
